--- a/P_and_G_modified.pptx
+++ b/P_and_G_modified.pptx
@@ -3031,31 +3031,6 @@
           <a:lstStyle/>
           <a:p>
             <a:pPr algn="ctr"/>
-            <a:r>
-              <a:rPr lang="en-IN" dirty="0"/>
-              <a:t>                   customer acquisition and retention</a:t>
-            </a:r>
-          </a:p>
-          <a:p>
-            <a:pPr algn="ctr"/>
-            <a:r>
-              <a:rPr lang="en-US" dirty="0">
-                <a:solidFill>
-                  <a:schemeClr val="tx1"/>
-                </a:solidFill>
-                <a:cs typeface="Calibri"/>
-              </a:rPr>
-              <a:t>                Satisfaction and dis </a:t>
-            </a:r>
-            <a:r>
-              <a:rPr lang="en-US" dirty="0" err="1">
-                <a:solidFill>
-                  <a:schemeClr val="tx1"/>
-                </a:solidFill>
-                <a:cs typeface="Calibri"/>
-              </a:rPr>
-              <a:t>satifaction</a:t>
-            </a:r>
             <a:endParaRPr lang="en-US" dirty="0">
               <a:solidFill>
                 <a:schemeClr val="tx1"/>
@@ -3080,7 +3055,7 @@
         <p:spPr>
           <a:xfrm>
             <a:off x="1" y="418761"/>
-            <a:ext cx="5971119" cy="3436245"/>
+            <a:ext cx="5971119" cy="6424813"/>
           </a:xfrm>
           <a:prstGeom prst="rect">
             <a:avLst/>
@@ -3145,7 +3120,7 @@
         </p:blipFill>
         <p:spPr bwMode="auto">
           <a:xfrm>
-            <a:off x="2809529" y="1139240"/>
+            <a:off x="2880043" y="485378"/>
             <a:ext cx="3037875" cy="2715766"/>
           </a:xfrm>
           <a:prstGeom prst="rect">
@@ -3163,59 +3138,6 @@
           </a:extLst>
         </p:spPr>
       </p:pic>
-      <p:sp>
-        <p:nvSpPr>
-          <p:cNvPr id="16" name="Rectangle 15">
-            <a:extLst>
-              <a:ext uri="{FF2B5EF4-FFF2-40B4-BE49-F238E27FC236}">
-                <a16:creationId xmlns:a16="http://schemas.microsoft.com/office/drawing/2014/main" id="{88642AEB-5A89-401F-90C1-38D80264A834}"/>
-              </a:ext>
-            </a:extLst>
-          </p:cNvPr>
-          <p:cNvSpPr/>
-          <p:nvPr/>
-        </p:nvSpPr>
-        <p:spPr>
-          <a:xfrm>
-            <a:off x="-1" y="3861266"/>
-            <a:ext cx="5971121" cy="2982309"/>
-          </a:xfrm>
-          <a:prstGeom prst="rect">
-            <a:avLst/>
-          </a:prstGeom>
-          <a:solidFill>
-            <a:schemeClr val="bg2"/>
-          </a:solidFill>
-        </p:spPr>
-        <p:style>
-          <a:lnRef idx="2">
-            <a:schemeClr val="accent1">
-              <a:shade val="50000"/>
-            </a:schemeClr>
-          </a:lnRef>
-          <a:fillRef idx="1">
-            <a:schemeClr val="accent1"/>
-          </a:fillRef>
-          <a:effectRef idx="0">
-            <a:schemeClr val="accent1"/>
-          </a:effectRef>
-          <a:fontRef idx="minor">
-            <a:schemeClr val="lt1"/>
-          </a:fontRef>
-        </p:style>
-        <p:txBody>
-          <a:bodyPr rtlCol="0" anchor="ctr"/>
-          <a:lstStyle/>
-          <a:p>
-            <a:endParaRPr lang="en-US" sz="1200" dirty="0">
-              <a:solidFill>
-                <a:schemeClr val="tx1"/>
-              </a:solidFill>
-              <a:cs typeface="Calibri"/>
-            </a:endParaRPr>
-          </a:p>
-        </p:txBody>
-      </p:sp>
       <p:sp>
         <p:nvSpPr>
           <p:cNvPr id="3" name="TextBox 2">
@@ -3356,63 +3278,6 @@
               <a:rPr lang="en-IN" dirty="0"/>
               <a:t>Why do we solve it?</a:t>
             </a:r>
-          </a:p>
-        </p:txBody>
-      </p:sp>
-      <p:sp>
-        <p:nvSpPr>
-          <p:cNvPr id="23" name="TextBox 22">
-            <a:extLst>
-              <a:ext uri="{FF2B5EF4-FFF2-40B4-BE49-F238E27FC236}">
-                <a16:creationId xmlns:a16="http://schemas.microsoft.com/office/drawing/2014/main" id="{52EFF2C4-E4CA-4BD3-B035-B6A6AB55AC4B}"/>
-              </a:ext>
-            </a:extLst>
-          </p:cNvPr>
-          <p:cNvSpPr txBox="1"/>
-          <p:nvPr/>
-        </p:nvSpPr>
-        <p:spPr>
-          <a:xfrm>
-            <a:off x="1425" y="3869650"/>
-            <a:ext cx="1492664" cy="307777"/>
-          </a:xfrm>
-          <a:prstGeom prst="rect">
-            <a:avLst/>
-          </a:prstGeom>
-          <a:solidFill>
-            <a:schemeClr val="tx1"/>
-          </a:solidFill>
-        </p:spPr>
-        <p:txBody>
-          <a:bodyPr rot="0" spcFirstLastPara="0" vertOverflow="overflow" horzOverflow="overflow" vert="horz" wrap="square" lIns="91440" tIns="45720" rIns="91440" bIns="45720" numCol="1" spcCol="0" rtlCol="0" fromWordArt="0" anchor="t" anchorCtr="0" forceAA="0" compatLnSpc="1">
-            <a:prstTxWarp prst="textNoShape">
-              <a:avLst/>
-            </a:prstTxWarp>
-            <a:spAutoFit/>
-          </a:bodyPr>
-          <a:lstStyle>
-            <a:defPPr>
-              <a:defRPr lang="en-US"/>
-            </a:defPPr>
-            <a:lvl1pPr>
-              <a:defRPr sz="1400" b="1">
-                <a:solidFill>
-                  <a:schemeClr val="bg1"/>
-                </a:solidFill>
-                <a:cs typeface="Calibri"/>
-              </a:defRPr>
-            </a:lvl1pPr>
-          </a:lstStyle>
-          <a:p>
-            <a:r>
-              <a:rPr lang="en-US" dirty="0"/>
-              <a:t>Realtime </a:t>
-            </a:r>
-            <a:r>
-              <a:rPr lang="en-US" dirty="0" err="1"/>
-              <a:t>oos</a:t>
-            </a:r>
-            <a:endParaRPr lang="en-US" dirty="0"/>
           </a:p>
         </p:txBody>
       </p:sp>
@@ -3445,7 +3310,7 @@
         </p:blipFill>
         <p:spPr bwMode="auto">
           <a:xfrm>
-            <a:off x="8568877" y="1560390"/>
+            <a:off x="8578013" y="412366"/>
             <a:ext cx="3499406" cy="1430895"/>
           </a:xfrm>
           <a:prstGeom prst="rect">
@@ -3531,10 +3396,10 @@
       </p:grpSpPr>
       <p:sp>
         <p:nvSpPr>
-          <p:cNvPr id="15" name="Rectangle 14">
+          <p:cNvPr id="13" name="Rectangle 12">
             <a:extLst>
               <a:ext uri="{FF2B5EF4-FFF2-40B4-BE49-F238E27FC236}">
-                <a16:creationId xmlns:a16="http://schemas.microsoft.com/office/drawing/2014/main" id="{6A9194FB-080E-49A8-B86A-E119BEB097F8}"/>
+                <a16:creationId xmlns:a16="http://schemas.microsoft.com/office/drawing/2014/main" id="{6EE8EAB0-A004-4562-BCDE-61259D3F7B0B}"/>
               </a:ext>
             </a:extLst>
           </p:cNvPr>
@@ -3543,8 +3408,8 @@
         </p:nvSpPr>
         <p:spPr>
           <a:xfrm>
-            <a:off x="6951777" y="403506"/>
-            <a:ext cx="5240222" cy="3450339"/>
+            <a:off x="-1" y="403505"/>
+            <a:ext cx="6951776" cy="6416941"/>
           </a:xfrm>
           <a:prstGeom prst="rect">
             <a:avLst/>
@@ -3582,10 +3447,10 @@
       </p:sp>
       <p:sp>
         <p:nvSpPr>
-          <p:cNvPr id="13" name="Rectangle 12">
+          <p:cNvPr id="15" name="Rectangle 14">
             <a:extLst>
               <a:ext uri="{FF2B5EF4-FFF2-40B4-BE49-F238E27FC236}">
-                <a16:creationId xmlns:a16="http://schemas.microsoft.com/office/drawing/2014/main" id="{6EE8EAB0-A004-4562-BCDE-61259D3F7B0B}"/>
+                <a16:creationId xmlns:a16="http://schemas.microsoft.com/office/drawing/2014/main" id="{6A9194FB-080E-49A8-B86A-E119BEB097F8}"/>
               </a:ext>
             </a:extLst>
           </p:cNvPr>
@@ -3594,8 +3459,8 @@
         </p:nvSpPr>
         <p:spPr>
           <a:xfrm>
-            <a:off x="-1" y="403506"/>
-            <a:ext cx="6951776" cy="3424878"/>
+            <a:off x="6951777" y="403507"/>
+            <a:ext cx="5240222" cy="3434632"/>
           </a:xfrm>
           <a:prstGeom prst="rect">
             <a:avLst/>
@@ -3645,8 +3510,8 @@
         </p:nvSpPr>
         <p:spPr>
           <a:xfrm>
-            <a:off x="-1" y="3838138"/>
-            <a:ext cx="12192000" cy="2982309"/>
+            <a:off x="5623133" y="3838138"/>
+            <a:ext cx="6568865" cy="2982309"/>
           </a:xfrm>
           <a:prstGeom prst="rect">
             <a:avLst/>
@@ -3728,157 +3593,6 @@
           </a:p>
         </p:txBody>
       </p:sp>
-      <p:grpSp>
-        <p:nvGrpSpPr>
-          <p:cNvPr id="5" name="Group 4">
-            <a:extLst>
-              <a:ext uri="{FF2B5EF4-FFF2-40B4-BE49-F238E27FC236}">
-                <a16:creationId xmlns:a16="http://schemas.microsoft.com/office/drawing/2014/main" id="{A73DF73D-B540-4BBC-A69B-0F915F1B7693}"/>
-              </a:ext>
-            </a:extLst>
-          </p:cNvPr>
-          <p:cNvGrpSpPr/>
-          <p:nvPr/>
-        </p:nvGrpSpPr>
-        <p:grpSpPr>
-          <a:xfrm>
-            <a:off x="123914" y="2097103"/>
-            <a:ext cx="5583203" cy="1585294"/>
-            <a:chOff x="287639" y="3208965"/>
-            <a:chExt cx="11576114" cy="3141643"/>
-          </a:xfrm>
-        </p:grpSpPr>
-        <p:pic>
-          <p:nvPicPr>
-            <p:cNvPr id="8" name="Picture 8" descr="A picture containing indoor, scene, filled, shelf&#10;&#10;Description generated with very high confidence">
-              <a:extLst>
-                <a:ext uri="{FF2B5EF4-FFF2-40B4-BE49-F238E27FC236}">
-                  <a16:creationId xmlns:a16="http://schemas.microsoft.com/office/drawing/2014/main" id="{7C82AB86-4FA7-4B48-ACEC-FAEE7606DD1B}"/>
-                </a:ext>
-              </a:extLst>
-            </p:cNvPr>
-            <p:cNvPicPr>
-              <a:picLocks noChangeAspect="1"/>
-            </p:cNvPicPr>
-            <p:nvPr/>
-          </p:nvPicPr>
-          <p:blipFill>
-            <a:blip r:embed="rId2"/>
-            <a:stretch>
-              <a:fillRect/>
-            </a:stretch>
-          </p:blipFill>
-          <p:spPr>
-            <a:xfrm>
-              <a:off x="8253046" y="3208965"/>
-              <a:ext cx="3610707" cy="3141643"/>
-            </a:xfrm>
-            <a:prstGeom prst="rect">
-              <a:avLst/>
-            </a:prstGeom>
-          </p:spPr>
-        </p:pic>
-        <p:pic>
-          <p:nvPicPr>
-            <p:cNvPr id="7" name="Picture 7" descr="A group of people in a store&#10;&#10;Description generated with high confidence">
-              <a:extLst>
-                <a:ext uri="{FF2B5EF4-FFF2-40B4-BE49-F238E27FC236}">
-                  <a16:creationId xmlns:a16="http://schemas.microsoft.com/office/drawing/2014/main" id="{7C599E50-B1F8-4892-B6DB-E5126CE42F17}"/>
-                </a:ext>
-              </a:extLst>
-            </p:cNvPr>
-            <p:cNvPicPr>
-              <a:picLocks noChangeAspect="1"/>
-            </p:cNvPicPr>
-            <p:nvPr/>
-          </p:nvPicPr>
-          <p:blipFill>
-            <a:blip r:embed="rId3"/>
-            <a:stretch>
-              <a:fillRect/>
-            </a:stretch>
-          </p:blipFill>
-          <p:spPr>
-            <a:xfrm>
-              <a:off x="287639" y="3286270"/>
-              <a:ext cx="3528647" cy="3059582"/>
-            </a:xfrm>
-            <a:prstGeom prst="rect">
-              <a:avLst/>
-            </a:prstGeom>
-          </p:spPr>
-        </p:pic>
-        <p:pic>
-          <p:nvPicPr>
-            <p:cNvPr id="9" name="Picture 9" descr="A picture containing clock&#10;&#10;Description generated with very high confidence">
-              <a:extLst>
-                <a:ext uri="{FF2B5EF4-FFF2-40B4-BE49-F238E27FC236}">
-                  <a16:creationId xmlns:a16="http://schemas.microsoft.com/office/drawing/2014/main" id="{CBC3E45B-41E2-4389-A8BF-BF429C2DFD79}"/>
-                </a:ext>
-              </a:extLst>
-            </p:cNvPr>
-            <p:cNvPicPr>
-              <a:picLocks noChangeAspect="1"/>
-            </p:cNvPicPr>
-            <p:nvPr/>
-          </p:nvPicPr>
-          <p:blipFill>
-            <a:blip r:embed="rId4"/>
-            <a:stretch>
-              <a:fillRect/>
-            </a:stretch>
-          </p:blipFill>
-          <p:spPr>
-            <a:xfrm>
-              <a:off x="3970045" y="3829942"/>
-              <a:ext cx="4161692" cy="1678139"/>
-            </a:xfrm>
-            <a:prstGeom prst="rect">
-              <a:avLst/>
-            </a:prstGeom>
-          </p:spPr>
-        </p:pic>
-      </p:grpSp>
-      <p:sp>
-        <p:nvSpPr>
-          <p:cNvPr id="10" name="TextBox 9">
-            <a:extLst>
-              <a:ext uri="{FF2B5EF4-FFF2-40B4-BE49-F238E27FC236}">
-                <a16:creationId xmlns:a16="http://schemas.microsoft.com/office/drawing/2014/main" id="{54A29259-1029-4F8F-BC98-0D7BF2FC3C21}"/>
-              </a:ext>
-            </a:extLst>
-          </p:cNvPr>
-          <p:cNvSpPr txBox="1"/>
-          <p:nvPr/>
-        </p:nvSpPr>
-        <p:spPr>
-          <a:xfrm>
-            <a:off x="123914" y="1781896"/>
-            <a:ext cx="2743200" cy="338554"/>
-          </a:xfrm>
-          <a:prstGeom prst="rect">
-            <a:avLst/>
-          </a:prstGeom>
-          <a:noFill/>
-        </p:spPr>
-        <p:txBody>
-          <a:bodyPr rot="0" spcFirstLastPara="0" vertOverflow="overflow" horzOverflow="overflow" vert="horz" wrap="square" lIns="91440" tIns="45720" rIns="91440" bIns="45720" numCol="1" spcCol="0" rtlCol="0" fromWordArt="0" anchor="t" anchorCtr="0" forceAA="0" compatLnSpc="1">
-            <a:prstTxWarp prst="textNoShape">
-              <a:avLst/>
-            </a:prstTxWarp>
-            <a:spAutoFit/>
-          </a:bodyPr>
-          <a:lstStyle/>
-          <a:p>
-            <a:r>
-              <a:rPr lang="en-US" sz="1600" b="1" dirty="0">
-                <a:cs typeface="Calibri"/>
-              </a:rPr>
-              <a:t>Input Frame</a:t>
-            </a:r>
-          </a:p>
-        </p:txBody>
-      </p:sp>
       <p:sp>
         <p:nvSpPr>
           <p:cNvPr id="19" name="TextBox 18">
@@ -3990,7 +3704,7 @@
         </p:nvSpPr>
         <p:spPr>
           <a:xfrm>
-            <a:off x="0" y="3854343"/>
+            <a:off x="5617270" y="3848435"/>
             <a:ext cx="1128044" cy="307777"/>
           </a:xfrm>
           <a:prstGeom prst="rect">
@@ -4030,578 +3744,6 @@
       </p:sp>
       <p:sp>
         <p:nvSpPr>
-          <p:cNvPr id="12" name="Rectangle: Rounded Corners 11">
-            <a:extLst>
-              <a:ext uri="{FF2B5EF4-FFF2-40B4-BE49-F238E27FC236}">
-                <a16:creationId xmlns:a16="http://schemas.microsoft.com/office/drawing/2014/main" id="{D4B67409-8040-4E8E-8543-1183E3E720E8}"/>
-              </a:ext>
-            </a:extLst>
-          </p:cNvPr>
-          <p:cNvSpPr/>
-          <p:nvPr/>
-        </p:nvSpPr>
-        <p:spPr>
-          <a:xfrm>
-            <a:off x="373271" y="5796136"/>
-            <a:ext cx="840273" cy="625185"/>
-          </a:xfrm>
-          <a:prstGeom prst="roundRect">
-            <a:avLst/>
-          </a:prstGeom>
-          <a:solidFill>
-            <a:srgbClr val="4173C5"/>
-          </a:solidFill>
-        </p:spPr>
-        <p:style>
-          <a:lnRef idx="2">
-            <a:schemeClr val="accent1">
-              <a:shade val="50000"/>
-            </a:schemeClr>
-          </a:lnRef>
-          <a:fillRef idx="1">
-            <a:schemeClr val="accent1"/>
-          </a:fillRef>
-          <a:effectRef idx="0">
-            <a:schemeClr val="accent1"/>
-          </a:effectRef>
-          <a:fontRef idx="minor">
-            <a:schemeClr val="lt1"/>
-          </a:fontRef>
-        </p:style>
-        <p:txBody>
-          <a:bodyPr rtlCol="0" anchor="ctr"/>
-          <a:lstStyle/>
-          <a:p>
-            <a:pPr algn="ctr"/>
-            <a:r>
-              <a:rPr lang="en-IN" sz="900" dirty="0"/>
-              <a:t>Historical analysis</a:t>
-            </a:r>
-          </a:p>
-        </p:txBody>
-      </p:sp>
-      <p:sp>
-        <p:nvSpPr>
-          <p:cNvPr id="14" name="Rectangle 13">
-            <a:extLst>
-              <a:ext uri="{FF2B5EF4-FFF2-40B4-BE49-F238E27FC236}">
-                <a16:creationId xmlns:a16="http://schemas.microsoft.com/office/drawing/2014/main" id="{FAE68842-E303-42BA-A0A7-0101BCF21A2D}"/>
-              </a:ext>
-            </a:extLst>
-          </p:cNvPr>
-          <p:cNvSpPr/>
-          <p:nvPr/>
-        </p:nvSpPr>
-        <p:spPr>
-          <a:xfrm>
-            <a:off x="1499267" y="5753543"/>
-            <a:ext cx="760576" cy="714898"/>
-          </a:xfrm>
-          <a:prstGeom prst="rect">
-            <a:avLst/>
-          </a:prstGeom>
-          <a:solidFill>
-            <a:srgbClr val="4173C5"/>
-          </a:solidFill>
-        </p:spPr>
-        <p:style>
-          <a:lnRef idx="2">
-            <a:schemeClr val="accent1">
-              <a:shade val="50000"/>
-            </a:schemeClr>
-          </a:lnRef>
-          <a:fillRef idx="1">
-            <a:schemeClr val="accent1"/>
-          </a:fillRef>
-          <a:effectRef idx="0">
-            <a:schemeClr val="accent1"/>
-          </a:effectRef>
-          <a:fontRef idx="minor">
-            <a:schemeClr val="lt1"/>
-          </a:fontRef>
-        </p:style>
-        <p:txBody>
-          <a:bodyPr rtlCol="0" anchor="ctr"/>
-          <a:lstStyle/>
-          <a:p>
-            <a:pPr algn="ctr"/>
-            <a:r>
-              <a:rPr lang="en-IN" sz="900" dirty="0"/>
-              <a:t>Transaction data reading</a:t>
-            </a:r>
-          </a:p>
-        </p:txBody>
-      </p:sp>
-      <p:sp>
-        <p:nvSpPr>
-          <p:cNvPr id="24" name="Rectangle 23">
-            <a:extLst>
-              <a:ext uri="{FF2B5EF4-FFF2-40B4-BE49-F238E27FC236}">
-                <a16:creationId xmlns:a16="http://schemas.microsoft.com/office/drawing/2014/main" id="{95B86588-8D89-436A-999E-20B1D8952F91}"/>
-              </a:ext>
-            </a:extLst>
-          </p:cNvPr>
-          <p:cNvSpPr/>
-          <p:nvPr/>
-        </p:nvSpPr>
-        <p:spPr>
-          <a:xfrm>
-            <a:off x="2573530" y="5751280"/>
-            <a:ext cx="760576" cy="714898"/>
-          </a:xfrm>
-          <a:prstGeom prst="rect">
-            <a:avLst/>
-          </a:prstGeom>
-          <a:solidFill>
-            <a:srgbClr val="4173C5"/>
-          </a:solidFill>
-        </p:spPr>
-        <p:style>
-          <a:lnRef idx="2">
-            <a:schemeClr val="accent1">
-              <a:shade val="50000"/>
-            </a:schemeClr>
-          </a:lnRef>
-          <a:fillRef idx="1">
-            <a:schemeClr val="accent1"/>
-          </a:fillRef>
-          <a:effectRef idx="0">
-            <a:schemeClr val="accent1"/>
-          </a:effectRef>
-          <a:fontRef idx="minor">
-            <a:schemeClr val="lt1"/>
-          </a:fontRef>
-        </p:style>
-        <p:txBody>
-          <a:bodyPr rtlCol="0" anchor="ctr"/>
-          <a:lstStyle/>
-          <a:p>
-            <a:pPr algn="ctr"/>
-            <a:r>
-              <a:rPr lang="en-IN" sz="900" dirty="0"/>
-              <a:t>Identify fast moving objects</a:t>
-            </a:r>
-          </a:p>
-        </p:txBody>
-      </p:sp>
-      <p:sp>
-        <p:nvSpPr>
-          <p:cNvPr id="25" name="Rectangle 24">
-            <a:extLst>
-              <a:ext uri="{FF2B5EF4-FFF2-40B4-BE49-F238E27FC236}">
-                <a16:creationId xmlns:a16="http://schemas.microsoft.com/office/drawing/2014/main" id="{8D5A7046-28CC-4FE6-B890-863B3E99C999}"/>
-              </a:ext>
-            </a:extLst>
-          </p:cNvPr>
-          <p:cNvSpPr/>
-          <p:nvPr/>
-        </p:nvSpPr>
-        <p:spPr>
-          <a:xfrm>
-            <a:off x="3651588" y="5739597"/>
-            <a:ext cx="939737" cy="714898"/>
-          </a:xfrm>
-          <a:prstGeom prst="rect">
-            <a:avLst/>
-          </a:prstGeom>
-          <a:solidFill>
-            <a:srgbClr val="4173C5"/>
-          </a:solidFill>
-        </p:spPr>
-        <p:style>
-          <a:lnRef idx="2">
-            <a:schemeClr val="accent1">
-              <a:shade val="50000"/>
-            </a:schemeClr>
-          </a:lnRef>
-          <a:fillRef idx="1">
-            <a:schemeClr val="accent1"/>
-          </a:fillRef>
-          <a:effectRef idx="0">
-            <a:schemeClr val="accent1"/>
-          </a:effectRef>
-          <a:fontRef idx="minor">
-            <a:schemeClr val="lt1"/>
-          </a:fontRef>
-        </p:style>
-        <p:txBody>
-          <a:bodyPr rtlCol="0" anchor="ctr"/>
-          <a:lstStyle/>
-          <a:p>
-            <a:pPr algn="ctr"/>
-            <a:r>
-              <a:rPr lang="en-IN" sz="900" dirty="0"/>
-              <a:t>Calculating metrics for fast moving products</a:t>
-            </a:r>
-          </a:p>
-        </p:txBody>
-      </p:sp>
-      <p:sp>
-        <p:nvSpPr>
-          <p:cNvPr id="26" name="Rectangle 25">
-            <a:extLst>
-              <a:ext uri="{FF2B5EF4-FFF2-40B4-BE49-F238E27FC236}">
-                <a16:creationId xmlns:a16="http://schemas.microsoft.com/office/drawing/2014/main" id="{510B3BD0-043A-42E5-AF66-C2AF51CF3335}"/>
-              </a:ext>
-            </a:extLst>
-          </p:cNvPr>
-          <p:cNvSpPr/>
-          <p:nvPr/>
-        </p:nvSpPr>
-        <p:spPr>
-          <a:xfrm>
-            <a:off x="4996340" y="5748103"/>
-            <a:ext cx="908011" cy="714898"/>
-          </a:xfrm>
-          <a:prstGeom prst="rect">
-            <a:avLst/>
-          </a:prstGeom>
-          <a:solidFill>
-            <a:srgbClr val="4173C5"/>
-          </a:solidFill>
-        </p:spPr>
-        <p:style>
-          <a:lnRef idx="2">
-            <a:schemeClr val="accent1">
-              <a:shade val="50000"/>
-            </a:schemeClr>
-          </a:lnRef>
-          <a:fillRef idx="1">
-            <a:schemeClr val="accent1"/>
-          </a:fillRef>
-          <a:effectRef idx="0">
-            <a:schemeClr val="accent1"/>
-          </a:effectRef>
-          <a:fontRef idx="minor">
-            <a:schemeClr val="lt1"/>
-          </a:fontRef>
-        </p:style>
-        <p:txBody>
-          <a:bodyPr rtlCol="0" anchor="ctr"/>
-          <a:lstStyle/>
-          <a:p>
-            <a:pPr algn="ctr"/>
-            <a:r>
-              <a:rPr lang="en-IN" sz="900" dirty="0"/>
-              <a:t>Calculate run rate matrix for 12*7(hour, day combination)</a:t>
-            </a:r>
-          </a:p>
-        </p:txBody>
-      </p:sp>
-      <p:sp>
-        <p:nvSpPr>
-          <p:cNvPr id="27" name="Rectangle: Rounded Corners 26">
-            <a:extLst>
-              <a:ext uri="{FF2B5EF4-FFF2-40B4-BE49-F238E27FC236}">
-                <a16:creationId xmlns:a16="http://schemas.microsoft.com/office/drawing/2014/main" id="{E10ABE03-1F5A-4FE7-9688-760F31DA59E0}"/>
-              </a:ext>
-            </a:extLst>
-          </p:cNvPr>
-          <p:cNvSpPr/>
-          <p:nvPr/>
-        </p:nvSpPr>
-        <p:spPr>
-          <a:xfrm>
-            <a:off x="426568" y="4606838"/>
-            <a:ext cx="840273" cy="625185"/>
-          </a:xfrm>
-          <a:prstGeom prst="roundRect">
-            <a:avLst/>
-          </a:prstGeom>
-          <a:solidFill>
-            <a:srgbClr val="39B2AB"/>
-          </a:solidFill>
-        </p:spPr>
-        <p:style>
-          <a:lnRef idx="2">
-            <a:schemeClr val="accent1">
-              <a:shade val="50000"/>
-            </a:schemeClr>
-          </a:lnRef>
-          <a:fillRef idx="1">
-            <a:schemeClr val="accent1"/>
-          </a:fillRef>
-          <a:effectRef idx="0">
-            <a:schemeClr val="accent1"/>
-          </a:effectRef>
-          <a:fontRef idx="minor">
-            <a:schemeClr val="lt1"/>
-          </a:fontRef>
-        </p:style>
-        <p:txBody>
-          <a:bodyPr rtlCol="0" anchor="ctr"/>
-          <a:lstStyle/>
-          <a:p>
-            <a:pPr algn="ctr"/>
-            <a:r>
-              <a:rPr lang="en-IN" sz="900" dirty="0"/>
-              <a:t>Realtime analysis</a:t>
-            </a:r>
-          </a:p>
-        </p:txBody>
-      </p:sp>
-      <p:sp>
-        <p:nvSpPr>
-          <p:cNvPr id="28" name="Rectangle 27">
-            <a:extLst>
-              <a:ext uri="{FF2B5EF4-FFF2-40B4-BE49-F238E27FC236}">
-                <a16:creationId xmlns:a16="http://schemas.microsoft.com/office/drawing/2014/main" id="{C2EECA80-AD51-4509-A626-08078C7A1B05}"/>
-              </a:ext>
-            </a:extLst>
-          </p:cNvPr>
-          <p:cNvSpPr/>
-          <p:nvPr/>
-        </p:nvSpPr>
-        <p:spPr>
-          <a:xfrm>
-            <a:off x="1510712" y="4606838"/>
-            <a:ext cx="760576" cy="625185"/>
-          </a:xfrm>
-          <a:prstGeom prst="rect">
-            <a:avLst/>
-          </a:prstGeom>
-          <a:solidFill>
-            <a:srgbClr val="39B2AB"/>
-          </a:solidFill>
-        </p:spPr>
-        <p:style>
-          <a:lnRef idx="2">
-            <a:schemeClr val="accent1">
-              <a:shade val="50000"/>
-            </a:schemeClr>
-          </a:lnRef>
-          <a:fillRef idx="1">
-            <a:schemeClr val="accent1"/>
-          </a:fillRef>
-          <a:effectRef idx="0">
-            <a:schemeClr val="accent1"/>
-          </a:effectRef>
-          <a:fontRef idx="minor">
-            <a:schemeClr val="lt1"/>
-          </a:fontRef>
-        </p:style>
-        <p:txBody>
-          <a:bodyPr rtlCol="0" anchor="ctr"/>
-          <a:lstStyle/>
-          <a:p>
-            <a:pPr algn="ctr"/>
-            <a:r>
-              <a:rPr lang="en-IN" sz="900" dirty="0"/>
-              <a:t>Read video from camera</a:t>
-            </a:r>
-          </a:p>
-        </p:txBody>
-      </p:sp>
-      <p:sp>
-        <p:nvSpPr>
-          <p:cNvPr id="29" name="Rectangle 28">
-            <a:extLst>
-              <a:ext uri="{FF2B5EF4-FFF2-40B4-BE49-F238E27FC236}">
-                <a16:creationId xmlns:a16="http://schemas.microsoft.com/office/drawing/2014/main" id="{00D0695A-9149-49C4-A1B5-1A4822292C9D}"/>
-              </a:ext>
-            </a:extLst>
-          </p:cNvPr>
-          <p:cNvSpPr/>
-          <p:nvPr/>
-        </p:nvSpPr>
-        <p:spPr>
-          <a:xfrm>
-            <a:off x="2492499" y="4606838"/>
-            <a:ext cx="922639" cy="625185"/>
-          </a:xfrm>
-          <a:prstGeom prst="rect">
-            <a:avLst/>
-          </a:prstGeom>
-          <a:solidFill>
-            <a:srgbClr val="39B2AB"/>
-          </a:solidFill>
-        </p:spPr>
-        <p:style>
-          <a:lnRef idx="2">
-            <a:schemeClr val="accent1">
-              <a:shade val="50000"/>
-            </a:schemeClr>
-          </a:lnRef>
-          <a:fillRef idx="1">
-            <a:schemeClr val="accent1"/>
-          </a:fillRef>
-          <a:effectRef idx="0">
-            <a:schemeClr val="accent1"/>
-          </a:effectRef>
-          <a:fontRef idx="minor">
-            <a:schemeClr val="lt1"/>
-          </a:fontRef>
-        </p:style>
-        <p:txBody>
-          <a:bodyPr rtlCol="0" anchor="ctr"/>
-          <a:lstStyle/>
-          <a:p>
-            <a:pPr algn="ctr"/>
-            <a:r>
-              <a:rPr lang="en-IN" sz="900" dirty="0"/>
-              <a:t>Apply Deeplearning model YOLO</a:t>
-            </a:r>
-          </a:p>
-        </p:txBody>
-      </p:sp>
-      <p:sp>
-        <p:nvSpPr>
-          <p:cNvPr id="30" name="Rectangle 29">
-            <a:extLst>
-              <a:ext uri="{FF2B5EF4-FFF2-40B4-BE49-F238E27FC236}">
-                <a16:creationId xmlns:a16="http://schemas.microsoft.com/office/drawing/2014/main" id="{AAB6FB34-2EAA-48F9-9BD0-6CA36D119A96}"/>
-              </a:ext>
-            </a:extLst>
-          </p:cNvPr>
-          <p:cNvSpPr/>
-          <p:nvPr/>
-        </p:nvSpPr>
-        <p:spPr>
-          <a:xfrm>
-            <a:off x="3651589" y="4602851"/>
-            <a:ext cx="760576" cy="625185"/>
-          </a:xfrm>
-          <a:prstGeom prst="rect">
-            <a:avLst/>
-          </a:prstGeom>
-          <a:solidFill>
-            <a:srgbClr val="39B2AB"/>
-          </a:solidFill>
-        </p:spPr>
-        <p:style>
-          <a:lnRef idx="2">
-            <a:schemeClr val="accent1">
-              <a:shade val="50000"/>
-            </a:schemeClr>
-          </a:lnRef>
-          <a:fillRef idx="1">
-            <a:schemeClr val="accent1"/>
-          </a:fillRef>
-          <a:effectRef idx="0">
-            <a:schemeClr val="accent1"/>
-          </a:effectRef>
-          <a:fontRef idx="minor">
-            <a:schemeClr val="lt1"/>
-          </a:fontRef>
-        </p:style>
-        <p:txBody>
-          <a:bodyPr rtlCol="0" anchor="ctr"/>
-          <a:lstStyle/>
-          <a:p>
-            <a:pPr algn="ctr"/>
-            <a:r>
-              <a:rPr lang="en-IN" sz="900" dirty="0"/>
-              <a:t>Identify Void in shelf</a:t>
-            </a:r>
-          </a:p>
-        </p:txBody>
-      </p:sp>
-      <p:sp>
-        <p:nvSpPr>
-          <p:cNvPr id="31" name="Rectangle 30">
-            <a:extLst>
-              <a:ext uri="{FF2B5EF4-FFF2-40B4-BE49-F238E27FC236}">
-                <a16:creationId xmlns:a16="http://schemas.microsoft.com/office/drawing/2014/main" id="{BC53B5BC-29C6-4EEA-9B4C-7594AF40A8E5}"/>
-              </a:ext>
-            </a:extLst>
-          </p:cNvPr>
-          <p:cNvSpPr/>
-          <p:nvPr/>
-        </p:nvSpPr>
-        <p:spPr>
-          <a:xfrm>
-            <a:off x="4646533" y="4602851"/>
-            <a:ext cx="997910" cy="625185"/>
-          </a:xfrm>
-          <a:prstGeom prst="rect">
-            <a:avLst/>
-          </a:prstGeom>
-          <a:solidFill>
-            <a:srgbClr val="39B2AB"/>
-          </a:solidFill>
-        </p:spPr>
-        <p:style>
-          <a:lnRef idx="2">
-            <a:schemeClr val="accent1">
-              <a:shade val="50000"/>
-            </a:schemeClr>
-          </a:lnRef>
-          <a:fillRef idx="1">
-            <a:schemeClr val="accent1"/>
-          </a:fillRef>
-          <a:effectRef idx="0">
-            <a:schemeClr val="accent1"/>
-          </a:effectRef>
-          <a:fontRef idx="minor">
-            <a:schemeClr val="lt1"/>
-          </a:fontRef>
-        </p:style>
-        <p:txBody>
-          <a:bodyPr rtlCol="0" anchor="ctr"/>
-          <a:lstStyle/>
-          <a:p>
-            <a:pPr algn="ctr"/>
-            <a:r>
-              <a:rPr lang="en-IN" sz="900" dirty="0"/>
-              <a:t>Available product calculation based on void detected </a:t>
-            </a:r>
-          </a:p>
-        </p:txBody>
-      </p:sp>
-      <p:sp>
-        <p:nvSpPr>
-          <p:cNvPr id="32" name="Rectangle 31">
-            <a:extLst>
-              <a:ext uri="{FF2B5EF4-FFF2-40B4-BE49-F238E27FC236}">
-                <a16:creationId xmlns:a16="http://schemas.microsoft.com/office/drawing/2014/main" id="{9BF82E8D-B06F-432D-98CC-D89422C01F11}"/>
-              </a:ext>
-            </a:extLst>
-          </p:cNvPr>
-          <p:cNvSpPr/>
-          <p:nvPr/>
-        </p:nvSpPr>
-        <p:spPr>
-          <a:xfrm>
-            <a:off x="5853231" y="4602851"/>
-            <a:ext cx="997910" cy="625185"/>
-          </a:xfrm>
-          <a:prstGeom prst="rect">
-            <a:avLst/>
-          </a:prstGeom>
-          <a:solidFill>
-            <a:srgbClr val="39B2AB"/>
-          </a:solidFill>
-        </p:spPr>
-        <p:style>
-          <a:lnRef idx="2">
-            <a:schemeClr val="accent1">
-              <a:shade val="50000"/>
-            </a:schemeClr>
-          </a:lnRef>
-          <a:fillRef idx="1">
-            <a:schemeClr val="accent1"/>
-          </a:fillRef>
-          <a:effectRef idx="0">
-            <a:schemeClr val="accent1"/>
-          </a:effectRef>
-          <a:fontRef idx="minor">
-            <a:schemeClr val="lt1"/>
-          </a:fontRef>
-        </p:style>
-        <p:txBody>
-          <a:bodyPr rtlCol="0" anchor="ctr"/>
-          <a:lstStyle/>
-          <a:p>
-            <a:pPr algn="ctr"/>
-            <a:r>
-              <a:rPr lang="en-IN" sz="900" dirty="0"/>
-              <a:t>Available product calculation based on void detected </a:t>
-            </a:r>
-          </a:p>
-        </p:txBody>
-      </p:sp>
-      <p:sp>
-        <p:nvSpPr>
           <p:cNvPr id="34" name="TextBox 33">
             <a:extLst>
               <a:ext uri="{FF2B5EF4-FFF2-40B4-BE49-F238E27FC236}">
@@ -4614,7 +3756,7 @@
         </p:nvSpPr>
         <p:spPr>
           <a:xfrm rot="16200000">
-            <a:off x="-421167" y="4765710"/>
+            <a:off x="5191295" y="4598347"/>
             <a:ext cx="1095595" cy="230832"/>
           </a:xfrm>
           <a:prstGeom prst="rect">
@@ -4666,7 +3808,7 @@
         </p:nvSpPr>
         <p:spPr>
           <a:xfrm rot="16200000">
-            <a:off x="-421167" y="6079146"/>
+            <a:off x="5208931" y="5906749"/>
             <a:ext cx="1095595" cy="230832"/>
           </a:xfrm>
           <a:prstGeom prst="rect">
@@ -4704,793 +3846,1126 @@
           </a:p>
         </p:txBody>
       </p:sp>
-      <p:sp>
-        <p:nvSpPr>
-          <p:cNvPr id="36" name="Rectangle 35">
+      <p:grpSp>
+        <p:nvGrpSpPr>
+          <p:cNvPr id="4" name="Group 3">
             <a:extLst>
               <a:ext uri="{FF2B5EF4-FFF2-40B4-BE49-F238E27FC236}">
-                <a16:creationId xmlns:a16="http://schemas.microsoft.com/office/drawing/2014/main" id="{7866F995-6A52-45B9-B5DF-E7358FC2DF0E}"/>
+                <a16:creationId xmlns:a16="http://schemas.microsoft.com/office/drawing/2014/main" id="{2550CBC3-DA63-40A1-B536-0741450063A5}"/>
               </a:ext>
             </a:extLst>
           </p:cNvPr>
-          <p:cNvSpPr/>
+          <p:cNvGrpSpPr/>
           <p:nvPr/>
-        </p:nvSpPr>
-        <p:spPr>
+        </p:nvGrpSpPr>
+        <p:grpSpPr>
           <a:xfrm>
-            <a:off x="7143810" y="5392240"/>
-            <a:ext cx="997910" cy="509048"/>
+            <a:off x="5990602" y="4395831"/>
+            <a:ext cx="5963515" cy="2092046"/>
+            <a:chOff x="373271" y="4602851"/>
+            <a:chExt cx="7768449" cy="1865590"/>
           </a:xfrm>
-          <a:prstGeom prst="rect">
-            <a:avLst/>
-          </a:prstGeom>
-          <a:solidFill>
-            <a:srgbClr val="39B2AB"/>
-          </a:solidFill>
-        </p:spPr>
-        <p:style>
-          <a:lnRef idx="2">
-            <a:schemeClr val="accent1">
-              <a:shade val="50000"/>
-            </a:schemeClr>
-          </a:lnRef>
-          <a:fillRef idx="1">
-            <a:schemeClr val="accent1"/>
-          </a:fillRef>
-          <a:effectRef idx="0">
-            <a:schemeClr val="accent1"/>
-          </a:effectRef>
-          <a:fontRef idx="minor">
-            <a:schemeClr val="lt1"/>
-          </a:fontRef>
-        </p:style>
-        <p:txBody>
-          <a:bodyPr rtlCol="0" anchor="ctr"/>
-          <a:lstStyle/>
-          <a:p>
-            <a:pPr algn="ctr"/>
-            <a:r>
-              <a:rPr lang="en-IN" sz="900" dirty="0"/>
-              <a:t>Trigger OOS to store management</a:t>
-            </a:r>
-          </a:p>
-        </p:txBody>
-      </p:sp>
-      <p:cxnSp>
-        <p:nvCxnSpPr>
-          <p:cNvPr id="21" name="Straight Arrow Connector 20">
-            <a:extLst>
-              <a:ext uri="{FF2B5EF4-FFF2-40B4-BE49-F238E27FC236}">
-                <a16:creationId xmlns:a16="http://schemas.microsoft.com/office/drawing/2014/main" id="{94F55EEC-FB45-4322-B8DE-94290B3F84FA}"/>
-              </a:ext>
-            </a:extLst>
-          </p:cNvPr>
-          <p:cNvCxnSpPr>
-            <a:cxnSpLocks/>
-            <a:stCxn id="27" idx="3"/>
-            <a:endCxn id="28" idx="1"/>
-          </p:cNvCxnSpPr>
-          <p:nvPr/>
-        </p:nvCxnSpPr>
-        <p:spPr>
-          <a:xfrm>
-            <a:off x="1266841" y="4919431"/>
-            <a:ext cx="243871" cy="0"/>
-          </a:xfrm>
-          <a:prstGeom prst="straightConnector1">
-            <a:avLst/>
-          </a:prstGeom>
-          <a:ln>
-            <a:tailEnd type="triangle"/>
-          </a:ln>
-        </p:spPr>
-        <p:style>
-          <a:lnRef idx="1">
-            <a:schemeClr val="accent1"/>
-          </a:lnRef>
-          <a:fillRef idx="0">
-            <a:schemeClr val="accent1"/>
-          </a:fillRef>
-          <a:effectRef idx="0">
-            <a:schemeClr val="accent1"/>
-          </a:effectRef>
-          <a:fontRef idx="minor">
-            <a:schemeClr val="tx1"/>
-          </a:fontRef>
-        </p:style>
-      </p:cxnSp>
-      <p:cxnSp>
-        <p:nvCxnSpPr>
-          <p:cNvPr id="38" name="Straight Arrow Connector 37">
-            <a:extLst>
-              <a:ext uri="{FF2B5EF4-FFF2-40B4-BE49-F238E27FC236}">
-                <a16:creationId xmlns:a16="http://schemas.microsoft.com/office/drawing/2014/main" id="{EAFC610D-74F1-4154-B1FF-2F2C6FBC0C5A}"/>
-              </a:ext>
-            </a:extLst>
-          </p:cNvPr>
-          <p:cNvCxnSpPr>
-            <a:cxnSpLocks/>
-            <a:stCxn id="28" idx="3"/>
-            <a:endCxn id="29" idx="1"/>
-          </p:cNvCxnSpPr>
-          <p:nvPr/>
-        </p:nvCxnSpPr>
-        <p:spPr>
-          <a:xfrm>
-            <a:off x="2271288" y="4919431"/>
-            <a:ext cx="221211" cy="0"/>
-          </a:xfrm>
-          <a:prstGeom prst="straightConnector1">
-            <a:avLst/>
-          </a:prstGeom>
-          <a:ln>
-            <a:tailEnd type="triangle"/>
-          </a:ln>
-        </p:spPr>
-        <p:style>
-          <a:lnRef idx="1">
-            <a:schemeClr val="accent1"/>
-          </a:lnRef>
-          <a:fillRef idx="0">
-            <a:schemeClr val="accent1"/>
-          </a:fillRef>
-          <a:effectRef idx="0">
-            <a:schemeClr val="accent1"/>
-          </a:effectRef>
-          <a:fontRef idx="minor">
-            <a:schemeClr val="tx1"/>
-          </a:fontRef>
-        </p:style>
-      </p:cxnSp>
-      <p:cxnSp>
-        <p:nvCxnSpPr>
-          <p:cNvPr id="40" name="Straight Arrow Connector 39">
-            <a:extLst>
-              <a:ext uri="{FF2B5EF4-FFF2-40B4-BE49-F238E27FC236}">
-                <a16:creationId xmlns:a16="http://schemas.microsoft.com/office/drawing/2014/main" id="{E2370B52-2DCA-498A-8EA2-D61679BD455E}"/>
-              </a:ext>
-            </a:extLst>
-          </p:cNvPr>
-          <p:cNvCxnSpPr>
-            <a:cxnSpLocks/>
-            <a:stCxn id="29" idx="3"/>
-            <a:endCxn id="30" idx="1"/>
-          </p:cNvCxnSpPr>
-          <p:nvPr/>
-        </p:nvCxnSpPr>
-        <p:spPr>
-          <a:xfrm flipV="1">
-            <a:off x="3415138" y="4915444"/>
-            <a:ext cx="236451" cy="3987"/>
-          </a:xfrm>
-          <a:prstGeom prst="straightConnector1">
-            <a:avLst/>
-          </a:prstGeom>
-          <a:ln>
-            <a:tailEnd type="triangle"/>
-          </a:ln>
-        </p:spPr>
-        <p:style>
-          <a:lnRef idx="1">
-            <a:schemeClr val="accent1"/>
-          </a:lnRef>
-          <a:fillRef idx="0">
-            <a:schemeClr val="accent1"/>
-          </a:fillRef>
-          <a:effectRef idx="0">
-            <a:schemeClr val="accent1"/>
-          </a:effectRef>
-          <a:fontRef idx="minor">
-            <a:schemeClr val="tx1"/>
-          </a:fontRef>
-        </p:style>
-      </p:cxnSp>
-      <p:cxnSp>
-        <p:nvCxnSpPr>
-          <p:cNvPr id="42" name="Straight Arrow Connector 41">
-            <a:extLst>
-              <a:ext uri="{FF2B5EF4-FFF2-40B4-BE49-F238E27FC236}">
-                <a16:creationId xmlns:a16="http://schemas.microsoft.com/office/drawing/2014/main" id="{A50DAC06-0F6D-49CC-AFB1-CB8A68DA7044}"/>
-              </a:ext>
-            </a:extLst>
-          </p:cNvPr>
-          <p:cNvCxnSpPr>
-            <a:cxnSpLocks/>
-            <a:stCxn id="30" idx="3"/>
-            <a:endCxn id="31" idx="1"/>
-          </p:cNvCxnSpPr>
-          <p:nvPr/>
-        </p:nvCxnSpPr>
-        <p:spPr>
-          <a:xfrm>
-            <a:off x="4412165" y="4915444"/>
-            <a:ext cx="234368" cy="0"/>
-          </a:xfrm>
-          <a:prstGeom prst="straightConnector1">
-            <a:avLst/>
-          </a:prstGeom>
-          <a:ln>
-            <a:tailEnd type="triangle"/>
-          </a:ln>
-        </p:spPr>
-        <p:style>
-          <a:lnRef idx="1">
-            <a:schemeClr val="accent1"/>
-          </a:lnRef>
-          <a:fillRef idx="0">
-            <a:schemeClr val="accent1"/>
-          </a:fillRef>
-          <a:effectRef idx="0">
-            <a:schemeClr val="accent1"/>
-          </a:effectRef>
-          <a:fontRef idx="minor">
-            <a:schemeClr val="tx1"/>
-          </a:fontRef>
-        </p:style>
-      </p:cxnSp>
-      <p:cxnSp>
-        <p:nvCxnSpPr>
-          <p:cNvPr id="45" name="Straight Arrow Connector 44">
-            <a:extLst>
-              <a:ext uri="{FF2B5EF4-FFF2-40B4-BE49-F238E27FC236}">
-                <a16:creationId xmlns:a16="http://schemas.microsoft.com/office/drawing/2014/main" id="{FB8AD55E-649D-4A6A-AC76-B5336E329D4E}"/>
-              </a:ext>
-            </a:extLst>
-          </p:cNvPr>
-          <p:cNvCxnSpPr>
-            <a:cxnSpLocks/>
-            <a:stCxn id="31" idx="3"/>
-            <a:endCxn id="32" idx="1"/>
-          </p:cNvCxnSpPr>
-          <p:nvPr/>
-        </p:nvCxnSpPr>
-        <p:spPr>
-          <a:xfrm>
-            <a:off x="5644443" y="4915444"/>
-            <a:ext cx="208788" cy="0"/>
-          </a:xfrm>
-          <a:prstGeom prst="straightConnector1">
-            <a:avLst/>
-          </a:prstGeom>
-          <a:ln>
-            <a:tailEnd type="triangle"/>
-          </a:ln>
-        </p:spPr>
-        <p:style>
-          <a:lnRef idx="1">
-            <a:schemeClr val="accent1"/>
-          </a:lnRef>
-          <a:fillRef idx="0">
-            <a:schemeClr val="accent1"/>
-          </a:fillRef>
-          <a:effectRef idx="0">
-            <a:schemeClr val="accent1"/>
-          </a:effectRef>
-          <a:fontRef idx="minor">
-            <a:schemeClr val="tx1"/>
-          </a:fontRef>
-        </p:style>
-      </p:cxnSp>
-      <p:cxnSp>
-        <p:nvCxnSpPr>
-          <p:cNvPr id="58" name="Straight Arrow Connector 57">
-            <a:extLst>
-              <a:ext uri="{FF2B5EF4-FFF2-40B4-BE49-F238E27FC236}">
-                <a16:creationId xmlns:a16="http://schemas.microsoft.com/office/drawing/2014/main" id="{28232B57-0F21-4453-AB82-A6914230316F}"/>
-              </a:ext>
-            </a:extLst>
-          </p:cNvPr>
-          <p:cNvCxnSpPr>
-            <a:cxnSpLocks/>
-            <a:stCxn id="12" idx="3"/>
-            <a:endCxn id="14" idx="1"/>
-          </p:cNvCxnSpPr>
-          <p:nvPr/>
-        </p:nvCxnSpPr>
-        <p:spPr>
-          <a:xfrm>
-            <a:off x="1213544" y="6108729"/>
-            <a:ext cx="285723" cy="2263"/>
-          </a:xfrm>
-          <a:prstGeom prst="straightConnector1">
-            <a:avLst/>
-          </a:prstGeom>
-          <a:ln>
-            <a:tailEnd type="triangle"/>
-          </a:ln>
-        </p:spPr>
-        <p:style>
-          <a:lnRef idx="1">
-            <a:schemeClr val="accent1"/>
-          </a:lnRef>
-          <a:fillRef idx="0">
-            <a:schemeClr val="accent1"/>
-          </a:fillRef>
-          <a:effectRef idx="0">
-            <a:schemeClr val="accent1"/>
-          </a:effectRef>
-          <a:fontRef idx="minor">
-            <a:schemeClr val="tx1"/>
-          </a:fontRef>
-        </p:style>
-      </p:cxnSp>
-      <p:cxnSp>
-        <p:nvCxnSpPr>
-          <p:cNvPr id="62" name="Straight Arrow Connector 61">
-            <a:extLst>
-              <a:ext uri="{FF2B5EF4-FFF2-40B4-BE49-F238E27FC236}">
-                <a16:creationId xmlns:a16="http://schemas.microsoft.com/office/drawing/2014/main" id="{76FFE987-1C1B-483E-BC53-C821F8F87C91}"/>
-              </a:ext>
-            </a:extLst>
-          </p:cNvPr>
-          <p:cNvCxnSpPr>
-            <a:cxnSpLocks/>
-            <a:stCxn id="14" idx="3"/>
-            <a:endCxn id="24" idx="1"/>
-          </p:cNvCxnSpPr>
-          <p:nvPr/>
-        </p:nvCxnSpPr>
-        <p:spPr>
-          <a:xfrm flipV="1">
-            <a:off x="2259843" y="6108729"/>
-            <a:ext cx="313687" cy="2263"/>
-          </a:xfrm>
-          <a:prstGeom prst="straightConnector1">
-            <a:avLst/>
-          </a:prstGeom>
-          <a:ln>
-            <a:tailEnd type="triangle"/>
-          </a:ln>
-        </p:spPr>
-        <p:style>
-          <a:lnRef idx="1">
-            <a:schemeClr val="accent1"/>
-          </a:lnRef>
-          <a:fillRef idx="0">
-            <a:schemeClr val="accent1"/>
-          </a:fillRef>
-          <a:effectRef idx="0">
-            <a:schemeClr val="accent1"/>
-          </a:effectRef>
-          <a:fontRef idx="minor">
-            <a:schemeClr val="tx1"/>
-          </a:fontRef>
-        </p:style>
-      </p:cxnSp>
-      <p:cxnSp>
-        <p:nvCxnSpPr>
-          <p:cNvPr id="66" name="Straight Arrow Connector 65">
-            <a:extLst>
-              <a:ext uri="{FF2B5EF4-FFF2-40B4-BE49-F238E27FC236}">
-                <a16:creationId xmlns:a16="http://schemas.microsoft.com/office/drawing/2014/main" id="{31A3A32B-A36B-4CF4-B415-14682A5BC021}"/>
-              </a:ext>
-            </a:extLst>
-          </p:cNvPr>
-          <p:cNvCxnSpPr>
-            <a:cxnSpLocks/>
-            <a:stCxn id="24" idx="3"/>
-            <a:endCxn id="25" idx="1"/>
-          </p:cNvCxnSpPr>
-          <p:nvPr/>
-        </p:nvCxnSpPr>
-        <p:spPr>
-          <a:xfrm flipV="1">
-            <a:off x="3334106" y="6097046"/>
-            <a:ext cx="317482" cy="11683"/>
-          </a:xfrm>
-          <a:prstGeom prst="straightConnector1">
-            <a:avLst/>
-          </a:prstGeom>
-          <a:ln>
-            <a:tailEnd type="triangle"/>
-          </a:ln>
-        </p:spPr>
-        <p:style>
-          <a:lnRef idx="1">
-            <a:schemeClr val="accent1"/>
-          </a:lnRef>
-          <a:fillRef idx="0">
-            <a:schemeClr val="accent1"/>
-          </a:fillRef>
-          <a:effectRef idx="0">
-            <a:schemeClr val="accent1"/>
-          </a:effectRef>
-          <a:fontRef idx="minor">
-            <a:schemeClr val="tx1"/>
-          </a:fontRef>
-        </p:style>
-      </p:cxnSp>
-      <p:cxnSp>
-        <p:nvCxnSpPr>
-          <p:cNvPr id="69" name="Straight Arrow Connector 68">
-            <a:extLst>
-              <a:ext uri="{FF2B5EF4-FFF2-40B4-BE49-F238E27FC236}">
-                <a16:creationId xmlns:a16="http://schemas.microsoft.com/office/drawing/2014/main" id="{095DCE1F-8608-415E-B51A-1253B484517F}"/>
-              </a:ext>
-            </a:extLst>
-          </p:cNvPr>
-          <p:cNvCxnSpPr>
-            <a:cxnSpLocks/>
-            <a:stCxn id="25" idx="3"/>
-            <a:endCxn id="26" idx="1"/>
-          </p:cNvCxnSpPr>
-          <p:nvPr/>
-        </p:nvCxnSpPr>
-        <p:spPr>
-          <a:xfrm>
-            <a:off x="4591325" y="6097046"/>
-            <a:ext cx="405015" cy="8506"/>
-          </a:xfrm>
-          <a:prstGeom prst="straightConnector1">
-            <a:avLst/>
-          </a:prstGeom>
-          <a:ln>
-            <a:tailEnd type="triangle"/>
-          </a:ln>
-        </p:spPr>
-        <p:style>
-          <a:lnRef idx="1">
-            <a:schemeClr val="accent1"/>
-          </a:lnRef>
-          <a:fillRef idx="0">
-            <a:schemeClr val="accent1"/>
-          </a:fillRef>
-          <a:effectRef idx="0">
-            <a:schemeClr val="accent1"/>
-          </a:effectRef>
-          <a:fontRef idx="minor">
-            <a:schemeClr val="tx1"/>
-          </a:fontRef>
-        </p:style>
-      </p:cxnSp>
-      <p:cxnSp>
-        <p:nvCxnSpPr>
-          <p:cNvPr id="73" name="Connector: Elbow 72">
-            <a:extLst>
-              <a:ext uri="{FF2B5EF4-FFF2-40B4-BE49-F238E27FC236}">
-                <a16:creationId xmlns:a16="http://schemas.microsoft.com/office/drawing/2014/main" id="{7E125509-6017-495B-BD12-48EA207FC3B0}"/>
-              </a:ext>
-            </a:extLst>
-          </p:cNvPr>
-          <p:cNvCxnSpPr>
-            <a:cxnSpLocks/>
-            <a:stCxn id="32" idx="2"/>
-            <a:endCxn id="36" idx="1"/>
-          </p:cNvCxnSpPr>
-          <p:nvPr/>
-        </p:nvCxnSpPr>
-        <p:spPr>
-          <a:xfrm rot="16200000" flipH="1">
-            <a:off x="6538634" y="5041588"/>
-            <a:ext cx="418728" cy="791624"/>
-          </a:xfrm>
-          <a:prstGeom prst="bentConnector2">
-            <a:avLst/>
-          </a:prstGeom>
-          <a:ln>
-            <a:tailEnd type="triangle"/>
-          </a:ln>
-        </p:spPr>
-        <p:style>
-          <a:lnRef idx="1">
-            <a:schemeClr val="accent1"/>
-          </a:lnRef>
-          <a:fillRef idx="0">
-            <a:schemeClr val="accent1"/>
-          </a:fillRef>
-          <a:effectRef idx="0">
-            <a:schemeClr val="accent1"/>
-          </a:effectRef>
-          <a:fontRef idx="minor">
-            <a:schemeClr val="tx1"/>
-          </a:fontRef>
-        </p:style>
-      </p:cxnSp>
-      <p:cxnSp>
-        <p:nvCxnSpPr>
-          <p:cNvPr id="75" name="Connector: Elbow 74">
-            <a:extLst>
-              <a:ext uri="{FF2B5EF4-FFF2-40B4-BE49-F238E27FC236}">
-                <a16:creationId xmlns:a16="http://schemas.microsoft.com/office/drawing/2014/main" id="{994E303D-C73A-4A03-A529-8DF25327088E}"/>
-              </a:ext>
-            </a:extLst>
-          </p:cNvPr>
-          <p:cNvCxnSpPr>
-            <a:cxnSpLocks/>
-            <a:stCxn id="26" idx="3"/>
-            <a:endCxn id="36" idx="1"/>
-          </p:cNvCxnSpPr>
-          <p:nvPr/>
-        </p:nvCxnSpPr>
-        <p:spPr>
-          <a:xfrm flipV="1">
-            <a:off x="5904351" y="5646764"/>
-            <a:ext cx="1239459" cy="458788"/>
-          </a:xfrm>
-          <a:prstGeom prst="bentConnector3">
-            <a:avLst>
-              <a:gd name="adj1" fmla="val 50000"/>
-            </a:avLst>
-          </a:prstGeom>
-          <a:ln>
-            <a:tailEnd type="triangle"/>
-          </a:ln>
-        </p:spPr>
-        <p:style>
-          <a:lnRef idx="1">
-            <a:schemeClr val="accent1"/>
-          </a:lnRef>
-          <a:fillRef idx="0">
-            <a:schemeClr val="accent1"/>
-          </a:fillRef>
-          <a:effectRef idx="0">
-            <a:schemeClr val="accent1"/>
-          </a:effectRef>
-          <a:fontRef idx="minor">
-            <a:schemeClr val="tx1"/>
-          </a:fontRef>
-        </p:style>
-      </p:cxnSp>
-      <p:pic>
-        <p:nvPicPr>
-          <p:cNvPr id="89" name="Picture 88">
-            <a:extLst>
-              <a:ext uri="{FF2B5EF4-FFF2-40B4-BE49-F238E27FC236}">
-                <a16:creationId xmlns:a16="http://schemas.microsoft.com/office/drawing/2014/main" id="{1C8E7E03-429D-4B97-9A36-F1CDAAC1DB99}"/>
-              </a:ext>
-            </a:extLst>
-          </p:cNvPr>
-          <p:cNvPicPr>
-            <a:picLocks noChangeAspect="1"/>
-          </p:cNvPicPr>
-          <p:nvPr/>
-        </p:nvPicPr>
-        <p:blipFill>
-          <a:blip r:embed="rId5">
-            <a:extLst>
-              <a:ext uri="{28A0092B-C50C-407E-A947-70E740481C1C}">
-                <a14:useLocalDpi xmlns:a14="http://schemas.microsoft.com/office/drawing/2010/main" val="0"/>
-              </a:ext>
-            </a:extLst>
-          </a:blip>
-          <a:stretch>
-            <a:fillRect/>
-          </a:stretch>
-        </p:blipFill>
-        <p:spPr>
-          <a:xfrm>
-            <a:off x="8271811" y="4008231"/>
-            <a:ext cx="2762636" cy="2753109"/>
-          </a:xfrm>
-          <a:prstGeom prst="rect">
-            <a:avLst/>
-          </a:prstGeom>
-        </p:spPr>
-      </p:pic>
-      <p:sp>
-        <p:nvSpPr>
-          <p:cNvPr id="85" name="Rectangle 84">
-            <a:extLst>
-              <a:ext uri="{FF2B5EF4-FFF2-40B4-BE49-F238E27FC236}">
-                <a16:creationId xmlns:a16="http://schemas.microsoft.com/office/drawing/2014/main" id="{27865EAA-CE1F-49E1-A1B6-49E3D0C8C141}"/>
-              </a:ext>
-            </a:extLst>
-          </p:cNvPr>
-          <p:cNvSpPr/>
-          <p:nvPr/>
-        </p:nvSpPr>
-        <p:spPr>
-          <a:xfrm>
-            <a:off x="8643522" y="5506312"/>
-            <a:ext cx="1979801" cy="217840"/>
-          </a:xfrm>
-          <a:prstGeom prst="rect">
-            <a:avLst/>
-          </a:prstGeom>
-          <a:solidFill>
-            <a:schemeClr val="accent2">
-              <a:lumMod val="60000"/>
-              <a:lumOff val="40000"/>
-            </a:schemeClr>
-          </a:solidFill>
-          <a:ln>
-            <a:noFill/>
-          </a:ln>
-        </p:spPr>
-        <p:style>
-          <a:lnRef idx="2">
-            <a:schemeClr val="accent1">
-              <a:shade val="50000"/>
-            </a:schemeClr>
-          </a:lnRef>
-          <a:fillRef idx="1">
-            <a:schemeClr val="accent1"/>
-          </a:fillRef>
-          <a:effectRef idx="0">
-            <a:schemeClr val="accent1"/>
-          </a:effectRef>
-          <a:fontRef idx="minor">
-            <a:schemeClr val="lt1"/>
-          </a:fontRef>
-        </p:style>
-        <p:txBody>
-          <a:bodyPr rtlCol="0" anchor="ctr"/>
-          <a:lstStyle/>
-          <a:p>
-            <a:pPr algn="ctr"/>
-            <a:r>
-              <a:rPr lang="en-IN" sz="900" dirty="0"/>
-              <a:t>Replenish Notification &amp; dashboard </a:t>
-            </a:r>
-          </a:p>
-        </p:txBody>
-      </p:sp>
-      <p:sp>
-        <p:nvSpPr>
-          <p:cNvPr id="86" name="Rectangle 85">
-            <a:extLst>
-              <a:ext uri="{FF2B5EF4-FFF2-40B4-BE49-F238E27FC236}">
-                <a16:creationId xmlns:a16="http://schemas.microsoft.com/office/drawing/2014/main" id="{C1A0912E-C453-492F-A4C5-E1C6F7A30694}"/>
-              </a:ext>
-            </a:extLst>
-          </p:cNvPr>
-          <p:cNvSpPr/>
-          <p:nvPr/>
-        </p:nvSpPr>
-        <p:spPr>
-          <a:xfrm>
-            <a:off x="9092725" y="4988686"/>
-            <a:ext cx="1158156" cy="217840"/>
-          </a:xfrm>
-          <a:prstGeom prst="rect">
-            <a:avLst/>
-          </a:prstGeom>
-          <a:noFill/>
-          <a:ln>
-            <a:noFill/>
-          </a:ln>
-        </p:spPr>
-        <p:style>
-          <a:lnRef idx="2">
-            <a:schemeClr val="accent1">
-              <a:shade val="50000"/>
-            </a:schemeClr>
-          </a:lnRef>
-          <a:fillRef idx="1">
-            <a:schemeClr val="accent1"/>
-          </a:fillRef>
-          <a:effectRef idx="0">
-            <a:schemeClr val="accent1"/>
-          </a:effectRef>
-          <a:fontRef idx="minor">
-            <a:schemeClr val="lt1"/>
-          </a:fontRef>
-        </p:style>
-        <p:txBody>
-          <a:bodyPr rtlCol="0" anchor="ctr"/>
-          <a:lstStyle/>
-          <a:p>
-            <a:pPr algn="ctr"/>
-            <a:r>
-              <a:rPr lang="en-IN" sz="900" dirty="0">
-                <a:solidFill>
-                  <a:schemeClr val="tx1"/>
-                </a:solidFill>
-              </a:rPr>
-              <a:t>Monitoring cameras</a:t>
-            </a:r>
-          </a:p>
-        </p:txBody>
-      </p:sp>
-      <p:sp>
-        <p:nvSpPr>
-          <p:cNvPr id="87" name="Rectangle 86">
-            <a:extLst>
-              <a:ext uri="{FF2B5EF4-FFF2-40B4-BE49-F238E27FC236}">
-                <a16:creationId xmlns:a16="http://schemas.microsoft.com/office/drawing/2014/main" id="{9D982CB0-E998-43E7-9740-167A015E02FE}"/>
-              </a:ext>
-            </a:extLst>
-          </p:cNvPr>
-          <p:cNvSpPr/>
-          <p:nvPr/>
-        </p:nvSpPr>
-        <p:spPr>
-          <a:xfrm>
-            <a:off x="8044804" y="4342469"/>
-            <a:ext cx="1158156" cy="217840"/>
-          </a:xfrm>
-          <a:prstGeom prst="rect">
-            <a:avLst/>
-          </a:prstGeom>
-          <a:noFill/>
-          <a:ln>
-            <a:noFill/>
-          </a:ln>
-        </p:spPr>
-        <p:style>
-          <a:lnRef idx="2">
-            <a:schemeClr val="accent1">
-              <a:shade val="50000"/>
-            </a:schemeClr>
-          </a:lnRef>
-          <a:fillRef idx="1">
-            <a:schemeClr val="accent1"/>
-          </a:fillRef>
-          <a:effectRef idx="0">
-            <a:schemeClr val="accent1"/>
-          </a:effectRef>
-          <a:fontRef idx="minor">
-            <a:schemeClr val="lt1"/>
-          </a:fontRef>
-        </p:style>
-        <p:txBody>
-          <a:bodyPr rtlCol="0" anchor="ctr"/>
-          <a:lstStyle/>
-          <a:p>
-            <a:pPr algn="ctr"/>
-            <a:r>
-              <a:rPr lang="en-IN" sz="900" dirty="0">
-                <a:solidFill>
-                  <a:schemeClr val="tx1"/>
-                </a:solidFill>
-              </a:rPr>
-              <a:t>shelf</a:t>
-            </a:r>
-          </a:p>
-        </p:txBody>
-      </p:sp>
-      <p:sp>
-        <p:nvSpPr>
-          <p:cNvPr id="90" name="Rectangle 89">
-            <a:extLst>
-              <a:ext uri="{FF2B5EF4-FFF2-40B4-BE49-F238E27FC236}">
-                <a16:creationId xmlns:a16="http://schemas.microsoft.com/office/drawing/2014/main" id="{C563886D-CA64-498C-A6CC-A841C46C93B5}"/>
-              </a:ext>
-            </a:extLst>
-          </p:cNvPr>
-          <p:cNvSpPr/>
-          <p:nvPr/>
-        </p:nvSpPr>
-        <p:spPr>
-          <a:xfrm>
-            <a:off x="10973116" y="4006195"/>
-            <a:ext cx="1128044" cy="2753109"/>
-          </a:xfrm>
-          <a:prstGeom prst="rect">
-            <a:avLst/>
-          </a:prstGeom>
-          <a:solidFill>
-            <a:schemeClr val="bg1"/>
-          </a:solidFill>
-          <a:ln>
-            <a:noFill/>
-          </a:ln>
-        </p:spPr>
-        <p:style>
-          <a:lnRef idx="2">
-            <a:schemeClr val="accent1">
-              <a:shade val="50000"/>
-            </a:schemeClr>
-          </a:lnRef>
-          <a:fillRef idx="1">
-            <a:schemeClr val="accent1"/>
-          </a:fillRef>
-          <a:effectRef idx="0">
-            <a:schemeClr val="accent1"/>
-          </a:effectRef>
-          <a:fontRef idx="minor">
-            <a:schemeClr val="lt1"/>
-          </a:fontRef>
-        </p:style>
-        <p:txBody>
-          <a:bodyPr rtlCol="0" anchor="ctr"/>
-          <a:lstStyle/>
-          <a:p>
-            <a:pPr algn="ctr"/>
-            <a:endParaRPr lang="en-IN"/>
-          </a:p>
-        </p:txBody>
-      </p:sp>
+        </p:grpSpPr>
+        <p:sp>
+          <p:nvSpPr>
+            <p:cNvPr id="12" name="Rectangle: Rounded Corners 11">
+              <a:extLst>
+                <a:ext uri="{FF2B5EF4-FFF2-40B4-BE49-F238E27FC236}">
+                  <a16:creationId xmlns:a16="http://schemas.microsoft.com/office/drawing/2014/main" id="{D4B67409-8040-4E8E-8543-1183E3E720E8}"/>
+                </a:ext>
+              </a:extLst>
+            </p:cNvPr>
+            <p:cNvSpPr/>
+            <p:nvPr/>
+          </p:nvSpPr>
+          <p:spPr>
+            <a:xfrm>
+              <a:off x="373271" y="5796136"/>
+              <a:ext cx="840273" cy="625185"/>
+            </a:xfrm>
+            <a:prstGeom prst="roundRect">
+              <a:avLst/>
+            </a:prstGeom>
+            <a:solidFill>
+              <a:srgbClr val="4173C5"/>
+            </a:solidFill>
+          </p:spPr>
+          <p:style>
+            <a:lnRef idx="2">
+              <a:schemeClr val="accent1">
+                <a:shade val="50000"/>
+              </a:schemeClr>
+            </a:lnRef>
+            <a:fillRef idx="1">
+              <a:schemeClr val="accent1"/>
+            </a:fillRef>
+            <a:effectRef idx="0">
+              <a:schemeClr val="accent1"/>
+            </a:effectRef>
+            <a:fontRef idx="minor">
+              <a:schemeClr val="lt1"/>
+            </a:fontRef>
+          </p:style>
+          <p:txBody>
+            <a:bodyPr rtlCol="0" anchor="ctr"/>
+            <a:lstStyle/>
+            <a:p>
+              <a:pPr algn="ctr"/>
+              <a:r>
+                <a:rPr lang="en-IN" sz="800" dirty="0"/>
+                <a:t>Historical analysis</a:t>
+              </a:r>
+            </a:p>
+          </p:txBody>
+        </p:sp>
+        <p:sp>
+          <p:nvSpPr>
+            <p:cNvPr id="14" name="Rectangle 13">
+              <a:extLst>
+                <a:ext uri="{FF2B5EF4-FFF2-40B4-BE49-F238E27FC236}">
+                  <a16:creationId xmlns:a16="http://schemas.microsoft.com/office/drawing/2014/main" id="{FAE68842-E303-42BA-A0A7-0101BCF21A2D}"/>
+                </a:ext>
+              </a:extLst>
+            </p:cNvPr>
+            <p:cNvSpPr/>
+            <p:nvPr/>
+          </p:nvSpPr>
+          <p:spPr>
+            <a:xfrm>
+              <a:off x="1499267" y="5753543"/>
+              <a:ext cx="760576" cy="714898"/>
+            </a:xfrm>
+            <a:prstGeom prst="rect">
+              <a:avLst/>
+            </a:prstGeom>
+            <a:solidFill>
+              <a:srgbClr val="4173C5"/>
+            </a:solidFill>
+          </p:spPr>
+          <p:style>
+            <a:lnRef idx="2">
+              <a:schemeClr val="accent1">
+                <a:shade val="50000"/>
+              </a:schemeClr>
+            </a:lnRef>
+            <a:fillRef idx="1">
+              <a:schemeClr val="accent1"/>
+            </a:fillRef>
+            <a:effectRef idx="0">
+              <a:schemeClr val="accent1"/>
+            </a:effectRef>
+            <a:fontRef idx="minor">
+              <a:schemeClr val="lt1"/>
+            </a:fontRef>
+          </p:style>
+          <p:txBody>
+            <a:bodyPr rtlCol="0" anchor="ctr"/>
+            <a:lstStyle/>
+            <a:p>
+              <a:pPr algn="ctr"/>
+              <a:r>
+                <a:rPr lang="en-IN" sz="800" dirty="0"/>
+                <a:t>Transaction data reading</a:t>
+              </a:r>
+            </a:p>
+          </p:txBody>
+        </p:sp>
+        <p:sp>
+          <p:nvSpPr>
+            <p:cNvPr id="24" name="Rectangle 23">
+              <a:extLst>
+                <a:ext uri="{FF2B5EF4-FFF2-40B4-BE49-F238E27FC236}">
+                  <a16:creationId xmlns:a16="http://schemas.microsoft.com/office/drawing/2014/main" id="{95B86588-8D89-436A-999E-20B1D8952F91}"/>
+                </a:ext>
+              </a:extLst>
+            </p:cNvPr>
+            <p:cNvSpPr/>
+            <p:nvPr/>
+          </p:nvSpPr>
+          <p:spPr>
+            <a:xfrm>
+              <a:off x="2573530" y="5751280"/>
+              <a:ext cx="760576" cy="714898"/>
+            </a:xfrm>
+            <a:prstGeom prst="rect">
+              <a:avLst/>
+            </a:prstGeom>
+            <a:solidFill>
+              <a:srgbClr val="4173C5"/>
+            </a:solidFill>
+          </p:spPr>
+          <p:style>
+            <a:lnRef idx="2">
+              <a:schemeClr val="accent1">
+                <a:shade val="50000"/>
+              </a:schemeClr>
+            </a:lnRef>
+            <a:fillRef idx="1">
+              <a:schemeClr val="accent1"/>
+            </a:fillRef>
+            <a:effectRef idx="0">
+              <a:schemeClr val="accent1"/>
+            </a:effectRef>
+            <a:fontRef idx="minor">
+              <a:schemeClr val="lt1"/>
+            </a:fontRef>
+          </p:style>
+          <p:txBody>
+            <a:bodyPr rtlCol="0" anchor="ctr"/>
+            <a:lstStyle/>
+            <a:p>
+              <a:pPr algn="ctr"/>
+              <a:r>
+                <a:rPr lang="en-IN" sz="800" dirty="0"/>
+                <a:t>Identify fast moving objects</a:t>
+              </a:r>
+            </a:p>
+          </p:txBody>
+        </p:sp>
+        <p:sp>
+          <p:nvSpPr>
+            <p:cNvPr id="25" name="Rectangle 24">
+              <a:extLst>
+                <a:ext uri="{FF2B5EF4-FFF2-40B4-BE49-F238E27FC236}">
+                  <a16:creationId xmlns:a16="http://schemas.microsoft.com/office/drawing/2014/main" id="{8D5A7046-28CC-4FE6-B890-863B3E99C999}"/>
+                </a:ext>
+              </a:extLst>
+            </p:cNvPr>
+            <p:cNvSpPr/>
+            <p:nvPr/>
+          </p:nvSpPr>
+          <p:spPr>
+            <a:xfrm>
+              <a:off x="3651588" y="5739597"/>
+              <a:ext cx="939737" cy="714898"/>
+            </a:xfrm>
+            <a:prstGeom prst="rect">
+              <a:avLst/>
+            </a:prstGeom>
+            <a:solidFill>
+              <a:srgbClr val="4173C5"/>
+            </a:solidFill>
+          </p:spPr>
+          <p:style>
+            <a:lnRef idx="2">
+              <a:schemeClr val="accent1">
+                <a:shade val="50000"/>
+              </a:schemeClr>
+            </a:lnRef>
+            <a:fillRef idx="1">
+              <a:schemeClr val="accent1"/>
+            </a:fillRef>
+            <a:effectRef idx="0">
+              <a:schemeClr val="accent1"/>
+            </a:effectRef>
+            <a:fontRef idx="minor">
+              <a:schemeClr val="lt1"/>
+            </a:fontRef>
+          </p:style>
+          <p:txBody>
+            <a:bodyPr rtlCol="0" anchor="ctr"/>
+            <a:lstStyle/>
+            <a:p>
+              <a:pPr algn="ctr"/>
+              <a:r>
+                <a:rPr lang="en-IN" sz="800" dirty="0"/>
+                <a:t>Calculating metrics for fast moving products</a:t>
+              </a:r>
+            </a:p>
+          </p:txBody>
+        </p:sp>
+        <p:sp>
+          <p:nvSpPr>
+            <p:cNvPr id="26" name="Rectangle 25">
+              <a:extLst>
+                <a:ext uri="{FF2B5EF4-FFF2-40B4-BE49-F238E27FC236}">
+                  <a16:creationId xmlns:a16="http://schemas.microsoft.com/office/drawing/2014/main" id="{510B3BD0-043A-42E5-AF66-C2AF51CF3335}"/>
+                </a:ext>
+              </a:extLst>
+            </p:cNvPr>
+            <p:cNvSpPr/>
+            <p:nvPr/>
+          </p:nvSpPr>
+          <p:spPr>
+            <a:xfrm>
+              <a:off x="4996340" y="5748103"/>
+              <a:ext cx="1020409" cy="714898"/>
+            </a:xfrm>
+            <a:prstGeom prst="rect">
+              <a:avLst/>
+            </a:prstGeom>
+            <a:solidFill>
+              <a:srgbClr val="4173C5"/>
+            </a:solidFill>
+          </p:spPr>
+          <p:style>
+            <a:lnRef idx="2">
+              <a:schemeClr val="accent1">
+                <a:shade val="50000"/>
+              </a:schemeClr>
+            </a:lnRef>
+            <a:fillRef idx="1">
+              <a:schemeClr val="accent1"/>
+            </a:fillRef>
+            <a:effectRef idx="0">
+              <a:schemeClr val="accent1"/>
+            </a:effectRef>
+            <a:fontRef idx="minor">
+              <a:schemeClr val="lt1"/>
+            </a:fontRef>
+          </p:style>
+          <p:txBody>
+            <a:bodyPr rtlCol="0" anchor="ctr"/>
+            <a:lstStyle/>
+            <a:p>
+              <a:pPr algn="ctr"/>
+              <a:r>
+                <a:rPr lang="en-IN" sz="800" dirty="0"/>
+                <a:t>Calculate run rate matrix for 12*7(hour, day combination)</a:t>
+              </a:r>
+            </a:p>
+          </p:txBody>
+        </p:sp>
+        <p:sp>
+          <p:nvSpPr>
+            <p:cNvPr id="27" name="Rectangle: Rounded Corners 26">
+              <a:extLst>
+                <a:ext uri="{FF2B5EF4-FFF2-40B4-BE49-F238E27FC236}">
+                  <a16:creationId xmlns:a16="http://schemas.microsoft.com/office/drawing/2014/main" id="{E10ABE03-1F5A-4FE7-9688-760F31DA59E0}"/>
+                </a:ext>
+              </a:extLst>
+            </p:cNvPr>
+            <p:cNvSpPr/>
+            <p:nvPr/>
+          </p:nvSpPr>
+          <p:spPr>
+            <a:xfrm>
+              <a:off x="426568" y="4606838"/>
+              <a:ext cx="840273" cy="625185"/>
+            </a:xfrm>
+            <a:prstGeom prst="roundRect">
+              <a:avLst/>
+            </a:prstGeom>
+            <a:solidFill>
+              <a:srgbClr val="39B2AB"/>
+            </a:solidFill>
+          </p:spPr>
+          <p:style>
+            <a:lnRef idx="2">
+              <a:schemeClr val="accent1">
+                <a:shade val="50000"/>
+              </a:schemeClr>
+            </a:lnRef>
+            <a:fillRef idx="1">
+              <a:schemeClr val="accent1"/>
+            </a:fillRef>
+            <a:effectRef idx="0">
+              <a:schemeClr val="accent1"/>
+            </a:effectRef>
+            <a:fontRef idx="minor">
+              <a:schemeClr val="lt1"/>
+            </a:fontRef>
+          </p:style>
+          <p:txBody>
+            <a:bodyPr rtlCol="0" anchor="ctr"/>
+            <a:lstStyle/>
+            <a:p>
+              <a:pPr algn="ctr"/>
+              <a:r>
+                <a:rPr lang="en-IN" sz="800" dirty="0"/>
+                <a:t>Realtime analysis</a:t>
+              </a:r>
+            </a:p>
+          </p:txBody>
+        </p:sp>
+        <p:sp>
+          <p:nvSpPr>
+            <p:cNvPr id="28" name="Rectangle 27">
+              <a:extLst>
+                <a:ext uri="{FF2B5EF4-FFF2-40B4-BE49-F238E27FC236}">
+                  <a16:creationId xmlns:a16="http://schemas.microsoft.com/office/drawing/2014/main" id="{C2EECA80-AD51-4509-A626-08078C7A1B05}"/>
+                </a:ext>
+              </a:extLst>
+            </p:cNvPr>
+            <p:cNvSpPr/>
+            <p:nvPr/>
+          </p:nvSpPr>
+          <p:spPr>
+            <a:xfrm>
+              <a:off x="1510712" y="4606838"/>
+              <a:ext cx="760576" cy="625185"/>
+            </a:xfrm>
+            <a:prstGeom prst="rect">
+              <a:avLst/>
+            </a:prstGeom>
+            <a:solidFill>
+              <a:srgbClr val="39B2AB"/>
+            </a:solidFill>
+          </p:spPr>
+          <p:style>
+            <a:lnRef idx="2">
+              <a:schemeClr val="accent1">
+                <a:shade val="50000"/>
+              </a:schemeClr>
+            </a:lnRef>
+            <a:fillRef idx="1">
+              <a:schemeClr val="accent1"/>
+            </a:fillRef>
+            <a:effectRef idx="0">
+              <a:schemeClr val="accent1"/>
+            </a:effectRef>
+            <a:fontRef idx="minor">
+              <a:schemeClr val="lt1"/>
+            </a:fontRef>
+          </p:style>
+          <p:txBody>
+            <a:bodyPr rtlCol="0" anchor="ctr"/>
+            <a:lstStyle/>
+            <a:p>
+              <a:pPr algn="ctr"/>
+              <a:r>
+                <a:rPr lang="en-IN" sz="800" dirty="0"/>
+                <a:t>Read video from camera</a:t>
+              </a:r>
+            </a:p>
+          </p:txBody>
+        </p:sp>
+        <p:sp>
+          <p:nvSpPr>
+            <p:cNvPr id="29" name="Rectangle 28">
+              <a:extLst>
+                <a:ext uri="{FF2B5EF4-FFF2-40B4-BE49-F238E27FC236}">
+                  <a16:creationId xmlns:a16="http://schemas.microsoft.com/office/drawing/2014/main" id="{00D0695A-9149-49C4-A1B5-1A4822292C9D}"/>
+                </a:ext>
+              </a:extLst>
+            </p:cNvPr>
+            <p:cNvSpPr/>
+            <p:nvPr/>
+          </p:nvSpPr>
+          <p:spPr>
+            <a:xfrm>
+              <a:off x="2492499" y="4606838"/>
+              <a:ext cx="922639" cy="625185"/>
+            </a:xfrm>
+            <a:prstGeom prst="rect">
+              <a:avLst/>
+            </a:prstGeom>
+            <a:solidFill>
+              <a:srgbClr val="39B2AB"/>
+            </a:solidFill>
+          </p:spPr>
+          <p:style>
+            <a:lnRef idx="2">
+              <a:schemeClr val="accent1">
+                <a:shade val="50000"/>
+              </a:schemeClr>
+            </a:lnRef>
+            <a:fillRef idx="1">
+              <a:schemeClr val="accent1"/>
+            </a:fillRef>
+            <a:effectRef idx="0">
+              <a:schemeClr val="accent1"/>
+            </a:effectRef>
+            <a:fontRef idx="minor">
+              <a:schemeClr val="lt1"/>
+            </a:fontRef>
+          </p:style>
+          <p:txBody>
+            <a:bodyPr rtlCol="0" anchor="ctr"/>
+            <a:lstStyle/>
+            <a:p>
+              <a:pPr algn="ctr"/>
+              <a:r>
+                <a:rPr lang="en-IN" sz="800" dirty="0"/>
+                <a:t>Apply Deeplearning model YOLO</a:t>
+              </a:r>
+            </a:p>
+          </p:txBody>
+        </p:sp>
+        <p:sp>
+          <p:nvSpPr>
+            <p:cNvPr id="30" name="Rectangle 29">
+              <a:extLst>
+                <a:ext uri="{FF2B5EF4-FFF2-40B4-BE49-F238E27FC236}">
+                  <a16:creationId xmlns:a16="http://schemas.microsoft.com/office/drawing/2014/main" id="{AAB6FB34-2EAA-48F9-9BD0-6CA36D119A96}"/>
+                </a:ext>
+              </a:extLst>
+            </p:cNvPr>
+            <p:cNvSpPr/>
+            <p:nvPr/>
+          </p:nvSpPr>
+          <p:spPr>
+            <a:xfrm>
+              <a:off x="3651589" y="4602851"/>
+              <a:ext cx="760576" cy="625185"/>
+            </a:xfrm>
+            <a:prstGeom prst="rect">
+              <a:avLst/>
+            </a:prstGeom>
+            <a:solidFill>
+              <a:srgbClr val="39B2AB"/>
+            </a:solidFill>
+          </p:spPr>
+          <p:style>
+            <a:lnRef idx="2">
+              <a:schemeClr val="accent1">
+                <a:shade val="50000"/>
+              </a:schemeClr>
+            </a:lnRef>
+            <a:fillRef idx="1">
+              <a:schemeClr val="accent1"/>
+            </a:fillRef>
+            <a:effectRef idx="0">
+              <a:schemeClr val="accent1"/>
+            </a:effectRef>
+            <a:fontRef idx="minor">
+              <a:schemeClr val="lt1"/>
+            </a:fontRef>
+          </p:style>
+          <p:txBody>
+            <a:bodyPr rtlCol="0" anchor="ctr"/>
+            <a:lstStyle/>
+            <a:p>
+              <a:pPr algn="ctr"/>
+              <a:r>
+                <a:rPr lang="en-IN" sz="800" dirty="0"/>
+                <a:t>Identify Void in shelf</a:t>
+              </a:r>
+            </a:p>
+          </p:txBody>
+        </p:sp>
+        <p:sp>
+          <p:nvSpPr>
+            <p:cNvPr id="31" name="Rectangle 30">
+              <a:extLst>
+                <a:ext uri="{FF2B5EF4-FFF2-40B4-BE49-F238E27FC236}">
+                  <a16:creationId xmlns:a16="http://schemas.microsoft.com/office/drawing/2014/main" id="{BC53B5BC-29C6-4EEA-9B4C-7594AF40A8E5}"/>
+                </a:ext>
+              </a:extLst>
+            </p:cNvPr>
+            <p:cNvSpPr/>
+            <p:nvPr/>
+          </p:nvSpPr>
+          <p:spPr>
+            <a:xfrm>
+              <a:off x="4646533" y="4602851"/>
+              <a:ext cx="997910" cy="625185"/>
+            </a:xfrm>
+            <a:prstGeom prst="rect">
+              <a:avLst/>
+            </a:prstGeom>
+            <a:solidFill>
+              <a:srgbClr val="39B2AB"/>
+            </a:solidFill>
+          </p:spPr>
+          <p:style>
+            <a:lnRef idx="2">
+              <a:schemeClr val="accent1">
+                <a:shade val="50000"/>
+              </a:schemeClr>
+            </a:lnRef>
+            <a:fillRef idx="1">
+              <a:schemeClr val="accent1"/>
+            </a:fillRef>
+            <a:effectRef idx="0">
+              <a:schemeClr val="accent1"/>
+            </a:effectRef>
+            <a:fontRef idx="minor">
+              <a:schemeClr val="lt1"/>
+            </a:fontRef>
+          </p:style>
+          <p:txBody>
+            <a:bodyPr rtlCol="0" anchor="ctr"/>
+            <a:lstStyle/>
+            <a:p>
+              <a:pPr algn="ctr"/>
+              <a:r>
+                <a:rPr lang="en-IN" sz="800" dirty="0"/>
+                <a:t>Available product calculation based on void detected </a:t>
+              </a:r>
+            </a:p>
+          </p:txBody>
+        </p:sp>
+        <p:sp>
+          <p:nvSpPr>
+            <p:cNvPr id="32" name="Rectangle 31">
+              <a:extLst>
+                <a:ext uri="{FF2B5EF4-FFF2-40B4-BE49-F238E27FC236}">
+                  <a16:creationId xmlns:a16="http://schemas.microsoft.com/office/drawing/2014/main" id="{9BF82E8D-B06F-432D-98CC-D89422C01F11}"/>
+                </a:ext>
+              </a:extLst>
+            </p:cNvPr>
+            <p:cNvSpPr/>
+            <p:nvPr/>
+          </p:nvSpPr>
+          <p:spPr>
+            <a:xfrm>
+              <a:off x="5853231" y="4602851"/>
+              <a:ext cx="997910" cy="625185"/>
+            </a:xfrm>
+            <a:prstGeom prst="rect">
+              <a:avLst/>
+            </a:prstGeom>
+            <a:solidFill>
+              <a:srgbClr val="39B2AB"/>
+            </a:solidFill>
+          </p:spPr>
+          <p:style>
+            <a:lnRef idx="2">
+              <a:schemeClr val="accent1">
+                <a:shade val="50000"/>
+              </a:schemeClr>
+            </a:lnRef>
+            <a:fillRef idx="1">
+              <a:schemeClr val="accent1"/>
+            </a:fillRef>
+            <a:effectRef idx="0">
+              <a:schemeClr val="accent1"/>
+            </a:effectRef>
+            <a:fontRef idx="minor">
+              <a:schemeClr val="lt1"/>
+            </a:fontRef>
+          </p:style>
+          <p:txBody>
+            <a:bodyPr rtlCol="0" anchor="ctr"/>
+            <a:lstStyle/>
+            <a:p>
+              <a:pPr algn="ctr"/>
+              <a:r>
+                <a:rPr lang="en-IN" sz="800" dirty="0"/>
+                <a:t>Available product calculation based on void detected </a:t>
+              </a:r>
+            </a:p>
+          </p:txBody>
+        </p:sp>
+        <p:sp>
+          <p:nvSpPr>
+            <p:cNvPr id="36" name="Rectangle 35">
+              <a:extLst>
+                <a:ext uri="{FF2B5EF4-FFF2-40B4-BE49-F238E27FC236}">
+                  <a16:creationId xmlns:a16="http://schemas.microsoft.com/office/drawing/2014/main" id="{7866F995-6A52-45B9-B5DF-E7358FC2DF0E}"/>
+                </a:ext>
+              </a:extLst>
+            </p:cNvPr>
+            <p:cNvSpPr/>
+            <p:nvPr/>
+          </p:nvSpPr>
+          <p:spPr>
+            <a:xfrm>
+              <a:off x="7143810" y="5392240"/>
+              <a:ext cx="997910" cy="509048"/>
+            </a:xfrm>
+            <a:prstGeom prst="rect">
+              <a:avLst/>
+            </a:prstGeom>
+            <a:solidFill>
+              <a:srgbClr val="39B2AB"/>
+            </a:solidFill>
+          </p:spPr>
+          <p:style>
+            <a:lnRef idx="2">
+              <a:schemeClr val="accent1">
+                <a:shade val="50000"/>
+              </a:schemeClr>
+            </a:lnRef>
+            <a:fillRef idx="1">
+              <a:schemeClr val="accent1"/>
+            </a:fillRef>
+            <a:effectRef idx="0">
+              <a:schemeClr val="accent1"/>
+            </a:effectRef>
+            <a:fontRef idx="minor">
+              <a:schemeClr val="lt1"/>
+            </a:fontRef>
+          </p:style>
+          <p:txBody>
+            <a:bodyPr rtlCol="0" anchor="ctr"/>
+            <a:lstStyle/>
+            <a:p>
+              <a:pPr algn="ctr"/>
+              <a:r>
+                <a:rPr lang="en-IN" sz="800" dirty="0"/>
+                <a:t>Trigger OOS to store management</a:t>
+              </a:r>
+            </a:p>
+          </p:txBody>
+        </p:sp>
+        <p:cxnSp>
+          <p:nvCxnSpPr>
+            <p:cNvPr id="21" name="Straight Arrow Connector 20">
+              <a:extLst>
+                <a:ext uri="{FF2B5EF4-FFF2-40B4-BE49-F238E27FC236}">
+                  <a16:creationId xmlns:a16="http://schemas.microsoft.com/office/drawing/2014/main" id="{94F55EEC-FB45-4322-B8DE-94290B3F84FA}"/>
+                </a:ext>
+              </a:extLst>
+            </p:cNvPr>
+            <p:cNvCxnSpPr>
+              <a:cxnSpLocks/>
+              <a:stCxn id="27" idx="3"/>
+              <a:endCxn id="28" idx="1"/>
+            </p:cNvCxnSpPr>
+            <p:nvPr/>
+          </p:nvCxnSpPr>
+          <p:spPr>
+            <a:xfrm>
+              <a:off x="1266841" y="4919431"/>
+              <a:ext cx="243871" cy="0"/>
+            </a:xfrm>
+            <a:prstGeom prst="straightConnector1">
+              <a:avLst/>
+            </a:prstGeom>
+            <a:ln>
+              <a:tailEnd type="triangle"/>
+            </a:ln>
+          </p:spPr>
+          <p:style>
+            <a:lnRef idx="1">
+              <a:schemeClr val="accent1"/>
+            </a:lnRef>
+            <a:fillRef idx="0">
+              <a:schemeClr val="accent1"/>
+            </a:fillRef>
+            <a:effectRef idx="0">
+              <a:schemeClr val="accent1"/>
+            </a:effectRef>
+            <a:fontRef idx="minor">
+              <a:schemeClr val="tx1"/>
+            </a:fontRef>
+          </p:style>
+        </p:cxnSp>
+        <p:cxnSp>
+          <p:nvCxnSpPr>
+            <p:cNvPr id="38" name="Straight Arrow Connector 37">
+              <a:extLst>
+                <a:ext uri="{FF2B5EF4-FFF2-40B4-BE49-F238E27FC236}">
+                  <a16:creationId xmlns:a16="http://schemas.microsoft.com/office/drawing/2014/main" id="{EAFC610D-74F1-4154-B1FF-2F2C6FBC0C5A}"/>
+                </a:ext>
+              </a:extLst>
+            </p:cNvPr>
+            <p:cNvCxnSpPr>
+              <a:cxnSpLocks/>
+              <a:stCxn id="28" idx="3"/>
+              <a:endCxn id="29" idx="1"/>
+            </p:cNvCxnSpPr>
+            <p:nvPr/>
+          </p:nvCxnSpPr>
+          <p:spPr>
+            <a:xfrm>
+              <a:off x="2271288" y="4919431"/>
+              <a:ext cx="221211" cy="0"/>
+            </a:xfrm>
+            <a:prstGeom prst="straightConnector1">
+              <a:avLst/>
+            </a:prstGeom>
+            <a:ln>
+              <a:tailEnd type="triangle"/>
+            </a:ln>
+          </p:spPr>
+          <p:style>
+            <a:lnRef idx="1">
+              <a:schemeClr val="accent1"/>
+            </a:lnRef>
+            <a:fillRef idx="0">
+              <a:schemeClr val="accent1"/>
+            </a:fillRef>
+            <a:effectRef idx="0">
+              <a:schemeClr val="accent1"/>
+            </a:effectRef>
+            <a:fontRef idx="minor">
+              <a:schemeClr val="tx1"/>
+            </a:fontRef>
+          </p:style>
+        </p:cxnSp>
+        <p:cxnSp>
+          <p:nvCxnSpPr>
+            <p:cNvPr id="40" name="Straight Arrow Connector 39">
+              <a:extLst>
+                <a:ext uri="{FF2B5EF4-FFF2-40B4-BE49-F238E27FC236}">
+                  <a16:creationId xmlns:a16="http://schemas.microsoft.com/office/drawing/2014/main" id="{E2370B52-2DCA-498A-8EA2-D61679BD455E}"/>
+                </a:ext>
+              </a:extLst>
+            </p:cNvPr>
+            <p:cNvCxnSpPr>
+              <a:cxnSpLocks/>
+              <a:stCxn id="29" idx="3"/>
+              <a:endCxn id="30" idx="1"/>
+            </p:cNvCxnSpPr>
+            <p:nvPr/>
+          </p:nvCxnSpPr>
+          <p:spPr>
+            <a:xfrm flipV="1">
+              <a:off x="3415138" y="4915444"/>
+              <a:ext cx="236451" cy="3987"/>
+            </a:xfrm>
+            <a:prstGeom prst="straightConnector1">
+              <a:avLst/>
+            </a:prstGeom>
+            <a:ln>
+              <a:tailEnd type="triangle"/>
+            </a:ln>
+          </p:spPr>
+          <p:style>
+            <a:lnRef idx="1">
+              <a:schemeClr val="accent1"/>
+            </a:lnRef>
+            <a:fillRef idx="0">
+              <a:schemeClr val="accent1"/>
+            </a:fillRef>
+            <a:effectRef idx="0">
+              <a:schemeClr val="accent1"/>
+            </a:effectRef>
+            <a:fontRef idx="minor">
+              <a:schemeClr val="tx1"/>
+            </a:fontRef>
+          </p:style>
+        </p:cxnSp>
+        <p:cxnSp>
+          <p:nvCxnSpPr>
+            <p:cNvPr id="42" name="Straight Arrow Connector 41">
+              <a:extLst>
+                <a:ext uri="{FF2B5EF4-FFF2-40B4-BE49-F238E27FC236}">
+                  <a16:creationId xmlns:a16="http://schemas.microsoft.com/office/drawing/2014/main" id="{A50DAC06-0F6D-49CC-AFB1-CB8A68DA7044}"/>
+                </a:ext>
+              </a:extLst>
+            </p:cNvPr>
+            <p:cNvCxnSpPr>
+              <a:cxnSpLocks/>
+              <a:stCxn id="30" idx="3"/>
+              <a:endCxn id="31" idx="1"/>
+            </p:cNvCxnSpPr>
+            <p:nvPr/>
+          </p:nvCxnSpPr>
+          <p:spPr>
+            <a:xfrm>
+              <a:off x="4412165" y="4915444"/>
+              <a:ext cx="234368" cy="0"/>
+            </a:xfrm>
+            <a:prstGeom prst="straightConnector1">
+              <a:avLst/>
+            </a:prstGeom>
+            <a:ln>
+              <a:tailEnd type="triangle"/>
+            </a:ln>
+          </p:spPr>
+          <p:style>
+            <a:lnRef idx="1">
+              <a:schemeClr val="accent1"/>
+            </a:lnRef>
+            <a:fillRef idx="0">
+              <a:schemeClr val="accent1"/>
+            </a:fillRef>
+            <a:effectRef idx="0">
+              <a:schemeClr val="accent1"/>
+            </a:effectRef>
+            <a:fontRef idx="minor">
+              <a:schemeClr val="tx1"/>
+            </a:fontRef>
+          </p:style>
+        </p:cxnSp>
+        <p:cxnSp>
+          <p:nvCxnSpPr>
+            <p:cNvPr id="45" name="Straight Arrow Connector 44">
+              <a:extLst>
+                <a:ext uri="{FF2B5EF4-FFF2-40B4-BE49-F238E27FC236}">
+                  <a16:creationId xmlns:a16="http://schemas.microsoft.com/office/drawing/2014/main" id="{FB8AD55E-649D-4A6A-AC76-B5336E329D4E}"/>
+                </a:ext>
+              </a:extLst>
+            </p:cNvPr>
+            <p:cNvCxnSpPr>
+              <a:cxnSpLocks/>
+              <a:stCxn id="31" idx="3"/>
+              <a:endCxn id="32" idx="1"/>
+            </p:cNvCxnSpPr>
+            <p:nvPr/>
+          </p:nvCxnSpPr>
+          <p:spPr>
+            <a:xfrm>
+              <a:off x="5644443" y="4915444"/>
+              <a:ext cx="208788" cy="0"/>
+            </a:xfrm>
+            <a:prstGeom prst="straightConnector1">
+              <a:avLst/>
+            </a:prstGeom>
+            <a:ln>
+              <a:tailEnd type="triangle"/>
+            </a:ln>
+          </p:spPr>
+          <p:style>
+            <a:lnRef idx="1">
+              <a:schemeClr val="accent1"/>
+            </a:lnRef>
+            <a:fillRef idx="0">
+              <a:schemeClr val="accent1"/>
+            </a:fillRef>
+            <a:effectRef idx="0">
+              <a:schemeClr val="accent1"/>
+            </a:effectRef>
+            <a:fontRef idx="minor">
+              <a:schemeClr val="tx1"/>
+            </a:fontRef>
+          </p:style>
+        </p:cxnSp>
+        <p:cxnSp>
+          <p:nvCxnSpPr>
+            <p:cNvPr id="58" name="Straight Arrow Connector 57">
+              <a:extLst>
+                <a:ext uri="{FF2B5EF4-FFF2-40B4-BE49-F238E27FC236}">
+                  <a16:creationId xmlns:a16="http://schemas.microsoft.com/office/drawing/2014/main" id="{28232B57-0F21-4453-AB82-A6914230316F}"/>
+                </a:ext>
+              </a:extLst>
+            </p:cNvPr>
+            <p:cNvCxnSpPr>
+              <a:cxnSpLocks/>
+              <a:stCxn id="12" idx="3"/>
+              <a:endCxn id="14" idx="1"/>
+            </p:cNvCxnSpPr>
+            <p:nvPr/>
+          </p:nvCxnSpPr>
+          <p:spPr>
+            <a:xfrm>
+              <a:off x="1213544" y="6108729"/>
+              <a:ext cx="285723" cy="2263"/>
+            </a:xfrm>
+            <a:prstGeom prst="straightConnector1">
+              <a:avLst/>
+            </a:prstGeom>
+            <a:ln>
+              <a:tailEnd type="triangle"/>
+            </a:ln>
+          </p:spPr>
+          <p:style>
+            <a:lnRef idx="1">
+              <a:schemeClr val="accent1"/>
+            </a:lnRef>
+            <a:fillRef idx="0">
+              <a:schemeClr val="accent1"/>
+            </a:fillRef>
+            <a:effectRef idx="0">
+              <a:schemeClr val="accent1"/>
+            </a:effectRef>
+            <a:fontRef idx="minor">
+              <a:schemeClr val="tx1"/>
+            </a:fontRef>
+          </p:style>
+        </p:cxnSp>
+        <p:cxnSp>
+          <p:nvCxnSpPr>
+            <p:cNvPr id="62" name="Straight Arrow Connector 61">
+              <a:extLst>
+                <a:ext uri="{FF2B5EF4-FFF2-40B4-BE49-F238E27FC236}">
+                  <a16:creationId xmlns:a16="http://schemas.microsoft.com/office/drawing/2014/main" id="{76FFE987-1C1B-483E-BC53-C821F8F87C91}"/>
+                </a:ext>
+              </a:extLst>
+            </p:cNvPr>
+            <p:cNvCxnSpPr>
+              <a:cxnSpLocks/>
+              <a:stCxn id="14" idx="3"/>
+              <a:endCxn id="24" idx="1"/>
+            </p:cNvCxnSpPr>
+            <p:nvPr/>
+          </p:nvCxnSpPr>
+          <p:spPr>
+            <a:xfrm flipV="1">
+              <a:off x="2259843" y="6108729"/>
+              <a:ext cx="313687" cy="2263"/>
+            </a:xfrm>
+            <a:prstGeom prst="straightConnector1">
+              <a:avLst/>
+            </a:prstGeom>
+            <a:ln>
+              <a:tailEnd type="triangle"/>
+            </a:ln>
+          </p:spPr>
+          <p:style>
+            <a:lnRef idx="1">
+              <a:schemeClr val="accent1"/>
+            </a:lnRef>
+            <a:fillRef idx="0">
+              <a:schemeClr val="accent1"/>
+            </a:fillRef>
+            <a:effectRef idx="0">
+              <a:schemeClr val="accent1"/>
+            </a:effectRef>
+            <a:fontRef idx="minor">
+              <a:schemeClr val="tx1"/>
+            </a:fontRef>
+          </p:style>
+        </p:cxnSp>
+        <p:cxnSp>
+          <p:nvCxnSpPr>
+            <p:cNvPr id="66" name="Straight Arrow Connector 65">
+              <a:extLst>
+                <a:ext uri="{FF2B5EF4-FFF2-40B4-BE49-F238E27FC236}">
+                  <a16:creationId xmlns:a16="http://schemas.microsoft.com/office/drawing/2014/main" id="{31A3A32B-A36B-4CF4-B415-14682A5BC021}"/>
+                </a:ext>
+              </a:extLst>
+            </p:cNvPr>
+            <p:cNvCxnSpPr>
+              <a:cxnSpLocks/>
+              <a:stCxn id="24" idx="3"/>
+              <a:endCxn id="25" idx="1"/>
+            </p:cNvCxnSpPr>
+            <p:nvPr/>
+          </p:nvCxnSpPr>
+          <p:spPr>
+            <a:xfrm flipV="1">
+              <a:off x="3334106" y="6097046"/>
+              <a:ext cx="317482" cy="11683"/>
+            </a:xfrm>
+            <a:prstGeom prst="straightConnector1">
+              <a:avLst/>
+            </a:prstGeom>
+            <a:ln>
+              <a:tailEnd type="triangle"/>
+            </a:ln>
+          </p:spPr>
+          <p:style>
+            <a:lnRef idx="1">
+              <a:schemeClr val="accent1"/>
+            </a:lnRef>
+            <a:fillRef idx="0">
+              <a:schemeClr val="accent1"/>
+            </a:fillRef>
+            <a:effectRef idx="0">
+              <a:schemeClr val="accent1"/>
+            </a:effectRef>
+            <a:fontRef idx="minor">
+              <a:schemeClr val="tx1"/>
+            </a:fontRef>
+          </p:style>
+        </p:cxnSp>
+        <p:cxnSp>
+          <p:nvCxnSpPr>
+            <p:cNvPr id="69" name="Straight Arrow Connector 68">
+              <a:extLst>
+                <a:ext uri="{FF2B5EF4-FFF2-40B4-BE49-F238E27FC236}">
+                  <a16:creationId xmlns:a16="http://schemas.microsoft.com/office/drawing/2014/main" id="{095DCE1F-8608-415E-B51A-1253B484517F}"/>
+                </a:ext>
+              </a:extLst>
+            </p:cNvPr>
+            <p:cNvCxnSpPr>
+              <a:cxnSpLocks/>
+              <a:stCxn id="25" idx="3"/>
+              <a:endCxn id="26" idx="1"/>
+            </p:cNvCxnSpPr>
+            <p:nvPr/>
+          </p:nvCxnSpPr>
+          <p:spPr>
+            <a:xfrm>
+              <a:off x="4591326" y="6097046"/>
+              <a:ext cx="405014" cy="8506"/>
+            </a:xfrm>
+            <a:prstGeom prst="straightConnector1">
+              <a:avLst/>
+            </a:prstGeom>
+            <a:ln>
+              <a:tailEnd type="triangle"/>
+            </a:ln>
+          </p:spPr>
+          <p:style>
+            <a:lnRef idx="1">
+              <a:schemeClr val="accent1"/>
+            </a:lnRef>
+            <a:fillRef idx="0">
+              <a:schemeClr val="accent1"/>
+            </a:fillRef>
+            <a:effectRef idx="0">
+              <a:schemeClr val="accent1"/>
+            </a:effectRef>
+            <a:fontRef idx="minor">
+              <a:schemeClr val="tx1"/>
+            </a:fontRef>
+          </p:style>
+        </p:cxnSp>
+        <p:cxnSp>
+          <p:nvCxnSpPr>
+            <p:cNvPr id="73" name="Connector: Elbow 72">
+              <a:extLst>
+                <a:ext uri="{FF2B5EF4-FFF2-40B4-BE49-F238E27FC236}">
+                  <a16:creationId xmlns:a16="http://schemas.microsoft.com/office/drawing/2014/main" id="{7E125509-6017-495B-BD12-48EA207FC3B0}"/>
+                </a:ext>
+              </a:extLst>
+            </p:cNvPr>
+            <p:cNvCxnSpPr>
+              <a:cxnSpLocks/>
+              <a:stCxn id="32" idx="2"/>
+              <a:endCxn id="36" idx="1"/>
+            </p:cNvCxnSpPr>
+            <p:nvPr/>
+          </p:nvCxnSpPr>
+          <p:spPr>
+            <a:xfrm rot="16200000" flipH="1">
+              <a:off x="6538634" y="5041588"/>
+              <a:ext cx="418728" cy="791624"/>
+            </a:xfrm>
+            <a:prstGeom prst="bentConnector2">
+              <a:avLst/>
+            </a:prstGeom>
+            <a:ln>
+              <a:tailEnd type="triangle"/>
+            </a:ln>
+          </p:spPr>
+          <p:style>
+            <a:lnRef idx="1">
+              <a:schemeClr val="accent1"/>
+            </a:lnRef>
+            <a:fillRef idx="0">
+              <a:schemeClr val="accent1"/>
+            </a:fillRef>
+            <a:effectRef idx="0">
+              <a:schemeClr val="accent1"/>
+            </a:effectRef>
+            <a:fontRef idx="minor">
+              <a:schemeClr val="tx1"/>
+            </a:fontRef>
+          </p:style>
+        </p:cxnSp>
+        <p:cxnSp>
+          <p:nvCxnSpPr>
+            <p:cNvPr id="75" name="Connector: Elbow 74">
+              <a:extLst>
+                <a:ext uri="{FF2B5EF4-FFF2-40B4-BE49-F238E27FC236}">
+                  <a16:creationId xmlns:a16="http://schemas.microsoft.com/office/drawing/2014/main" id="{994E303D-C73A-4A03-A529-8DF25327088E}"/>
+                </a:ext>
+              </a:extLst>
+            </p:cNvPr>
+            <p:cNvCxnSpPr>
+              <a:cxnSpLocks/>
+              <a:stCxn id="26" idx="3"/>
+              <a:endCxn id="36" idx="1"/>
+            </p:cNvCxnSpPr>
+            <p:nvPr/>
+          </p:nvCxnSpPr>
+          <p:spPr>
+            <a:xfrm flipV="1">
+              <a:off x="6016749" y="5646765"/>
+              <a:ext cx="1127061" cy="458787"/>
+            </a:xfrm>
+            <a:prstGeom prst="bentConnector3">
+              <a:avLst>
+                <a:gd name="adj1" fmla="val 29240"/>
+              </a:avLst>
+            </a:prstGeom>
+            <a:ln>
+              <a:tailEnd type="triangle"/>
+            </a:ln>
+          </p:spPr>
+          <p:style>
+            <a:lnRef idx="1">
+              <a:schemeClr val="accent1"/>
+            </a:lnRef>
+            <a:fillRef idx="0">
+              <a:schemeClr val="accent1"/>
+            </a:fillRef>
+            <a:effectRef idx="0">
+              <a:schemeClr val="accent1"/>
+            </a:effectRef>
+            <a:fontRef idx="minor">
+              <a:schemeClr val="tx1"/>
+            </a:fontRef>
+          </p:style>
+        </p:cxnSp>
+      </p:grpSp>
       <p:pic>
         <p:nvPicPr>
           <p:cNvPr id="80" name="Picture 79">
@@ -5506,7 +4981,7 @@
           <p:nvPr/>
         </p:nvPicPr>
         <p:blipFill>
-          <a:blip r:embed="rId6">
+          <a:blip r:embed="rId2">
             <a:extLst>
               <a:ext uri="{28A0092B-C50C-407E-A947-70E740481C1C}">
                 <a14:useLocalDpi xmlns:a14="http://schemas.microsoft.com/office/drawing/2010/main" val="0"/>
@@ -5527,6 +5002,781 @@
           </a:prstGeom>
         </p:spPr>
       </p:pic>
+      <p:grpSp>
+        <p:nvGrpSpPr>
+          <p:cNvPr id="52" name="Group 51">
+            <a:extLst>
+              <a:ext uri="{FF2B5EF4-FFF2-40B4-BE49-F238E27FC236}">
+                <a16:creationId xmlns:a16="http://schemas.microsoft.com/office/drawing/2014/main" id="{07D029E1-981D-4D41-8795-4AC41876DC2A}"/>
+              </a:ext>
+            </a:extLst>
+          </p:cNvPr>
+          <p:cNvGrpSpPr/>
+          <p:nvPr/>
+        </p:nvGrpSpPr>
+        <p:grpSpPr>
+          <a:xfrm>
+            <a:off x="-62731" y="1578108"/>
+            <a:ext cx="5020737" cy="5109349"/>
+            <a:chOff x="-114457" y="694041"/>
+            <a:chExt cx="4643961" cy="3054468"/>
+          </a:xfrm>
+        </p:grpSpPr>
+        <p:sp>
+          <p:nvSpPr>
+            <p:cNvPr id="53" name="TextBox 52">
+              <a:extLst>
+                <a:ext uri="{FF2B5EF4-FFF2-40B4-BE49-F238E27FC236}">
+                  <a16:creationId xmlns:a16="http://schemas.microsoft.com/office/drawing/2014/main" id="{FC34B2A1-8143-4F26-AAF3-56545AE9BF05}"/>
+                </a:ext>
+              </a:extLst>
+            </p:cNvPr>
+            <p:cNvSpPr txBox="1"/>
+            <p:nvPr/>
+          </p:nvSpPr>
+          <p:spPr>
+            <a:xfrm>
+              <a:off x="123914" y="1781896"/>
+              <a:ext cx="2743200" cy="338554"/>
+            </a:xfrm>
+            <a:prstGeom prst="rect">
+              <a:avLst/>
+            </a:prstGeom>
+            <a:noFill/>
+          </p:spPr>
+          <p:txBody>
+            <a:bodyPr rot="0" spcFirstLastPara="0" vertOverflow="overflow" horzOverflow="overflow" vert="horz" wrap="square" lIns="91440" tIns="45720" rIns="91440" bIns="45720" numCol="1" spcCol="0" rtlCol="0" fromWordArt="0" anchor="t" anchorCtr="0" forceAA="0" compatLnSpc="1">
+              <a:prstTxWarp prst="textNoShape">
+                <a:avLst/>
+              </a:prstTxWarp>
+              <a:spAutoFit/>
+            </a:bodyPr>
+            <a:lstStyle/>
+            <a:p>
+              <a:r>
+                <a:rPr lang="en-US" sz="1600" b="1" dirty="0">
+                  <a:cs typeface="Calibri"/>
+                </a:rPr>
+                <a:t>Input Frame</a:t>
+              </a:r>
+            </a:p>
+          </p:txBody>
+        </p:sp>
+        <p:grpSp>
+          <p:nvGrpSpPr>
+            <p:cNvPr id="54" name="Group 53">
+              <a:extLst>
+                <a:ext uri="{FF2B5EF4-FFF2-40B4-BE49-F238E27FC236}">
+                  <a16:creationId xmlns:a16="http://schemas.microsoft.com/office/drawing/2014/main" id="{7DDF22A9-F19E-4F87-B017-5A8C69D18F16}"/>
+                </a:ext>
+              </a:extLst>
+            </p:cNvPr>
+            <p:cNvGrpSpPr/>
+            <p:nvPr/>
+          </p:nvGrpSpPr>
+          <p:grpSpPr>
+            <a:xfrm>
+              <a:off x="7042" y="723734"/>
+              <a:ext cx="4356887" cy="3024775"/>
+              <a:chOff x="8271811" y="4006195"/>
+              <a:chExt cx="3829349" cy="2755145"/>
+            </a:xfrm>
+          </p:grpSpPr>
+          <p:pic>
+            <p:nvPicPr>
+              <p:cNvPr id="68" name="Picture 67">
+                <a:extLst>
+                  <a:ext uri="{FF2B5EF4-FFF2-40B4-BE49-F238E27FC236}">
+                    <a16:creationId xmlns:a16="http://schemas.microsoft.com/office/drawing/2014/main" id="{993DBE19-494A-480C-B50F-1AEEA4428619}"/>
+                  </a:ext>
+                </a:extLst>
+              </p:cNvPr>
+              <p:cNvPicPr>
+                <a:picLocks noChangeAspect="1"/>
+              </p:cNvPicPr>
+              <p:nvPr/>
+            </p:nvPicPr>
+            <p:blipFill>
+              <a:blip r:embed="rId3">
+                <a:extLst>
+                  <a:ext uri="{28A0092B-C50C-407E-A947-70E740481C1C}">
+                    <a14:useLocalDpi xmlns:a14="http://schemas.microsoft.com/office/drawing/2010/main" val="0"/>
+                  </a:ext>
+                </a:extLst>
+              </a:blip>
+              <a:stretch>
+                <a:fillRect/>
+              </a:stretch>
+            </p:blipFill>
+            <p:spPr>
+              <a:xfrm>
+                <a:off x="8271811" y="4008231"/>
+                <a:ext cx="2762636" cy="2753109"/>
+              </a:xfrm>
+              <a:prstGeom prst="rect">
+                <a:avLst/>
+              </a:prstGeom>
+            </p:spPr>
+          </p:pic>
+          <p:sp>
+            <p:nvSpPr>
+              <p:cNvPr id="70" name="Rectangle 69">
+                <a:extLst>
+                  <a:ext uri="{FF2B5EF4-FFF2-40B4-BE49-F238E27FC236}">
+                    <a16:creationId xmlns:a16="http://schemas.microsoft.com/office/drawing/2014/main" id="{4FF20CEB-D464-4E1C-B6C3-D3E5CBD26BE3}"/>
+                  </a:ext>
+                </a:extLst>
+              </p:cNvPr>
+              <p:cNvSpPr/>
+              <p:nvPr/>
+            </p:nvSpPr>
+            <p:spPr>
+              <a:xfrm>
+                <a:off x="10973116" y="4006195"/>
+                <a:ext cx="1128044" cy="2753109"/>
+              </a:xfrm>
+              <a:prstGeom prst="rect">
+                <a:avLst/>
+              </a:prstGeom>
+              <a:solidFill>
+                <a:schemeClr val="bg1"/>
+              </a:solidFill>
+              <a:ln>
+                <a:noFill/>
+              </a:ln>
+            </p:spPr>
+            <p:style>
+              <a:lnRef idx="2">
+                <a:schemeClr val="accent1">
+                  <a:shade val="50000"/>
+                </a:schemeClr>
+              </a:lnRef>
+              <a:fillRef idx="1">
+                <a:schemeClr val="accent1"/>
+              </a:fillRef>
+              <a:effectRef idx="0">
+                <a:schemeClr val="accent1"/>
+              </a:effectRef>
+              <a:fontRef idx="minor">
+                <a:schemeClr val="lt1"/>
+              </a:fontRef>
+            </p:style>
+            <p:txBody>
+              <a:bodyPr rtlCol="0" anchor="ctr"/>
+              <a:lstStyle/>
+              <a:p>
+                <a:pPr algn="ctr"/>
+                <a:endParaRPr lang="en-IN"/>
+              </a:p>
+            </p:txBody>
+          </p:sp>
+          <p:sp>
+            <p:nvSpPr>
+              <p:cNvPr id="71" name="Rectangle 70">
+                <a:extLst>
+                  <a:ext uri="{FF2B5EF4-FFF2-40B4-BE49-F238E27FC236}">
+                    <a16:creationId xmlns:a16="http://schemas.microsoft.com/office/drawing/2014/main" id="{42FDC94A-8097-4D85-A70B-81CEB71807C6}"/>
+                  </a:ext>
+                </a:extLst>
+              </p:cNvPr>
+              <p:cNvSpPr/>
+              <p:nvPr/>
+            </p:nvSpPr>
+            <p:spPr>
+              <a:xfrm>
+                <a:off x="8643522" y="5506312"/>
+                <a:ext cx="1979801" cy="217840"/>
+              </a:xfrm>
+              <a:prstGeom prst="rect">
+                <a:avLst/>
+              </a:prstGeom>
+              <a:solidFill>
+                <a:schemeClr val="accent2">
+                  <a:lumMod val="60000"/>
+                  <a:lumOff val="40000"/>
+                </a:schemeClr>
+              </a:solidFill>
+              <a:ln>
+                <a:solidFill>
+                  <a:schemeClr val="tx1"/>
+                </a:solidFill>
+              </a:ln>
+            </p:spPr>
+            <p:style>
+              <a:lnRef idx="2">
+                <a:schemeClr val="accent1">
+                  <a:shade val="50000"/>
+                </a:schemeClr>
+              </a:lnRef>
+              <a:fillRef idx="1">
+                <a:schemeClr val="accent1"/>
+              </a:fillRef>
+              <a:effectRef idx="0">
+                <a:schemeClr val="accent1"/>
+              </a:effectRef>
+              <a:fontRef idx="minor">
+                <a:schemeClr val="lt1"/>
+              </a:fontRef>
+            </p:style>
+            <p:txBody>
+              <a:bodyPr rtlCol="0" anchor="ctr"/>
+              <a:lstStyle/>
+              <a:p>
+                <a:pPr algn="ctr"/>
+                <a:r>
+                  <a:rPr lang="en-IN" sz="900" dirty="0">
+                    <a:solidFill>
+                      <a:schemeClr val="tx1"/>
+                    </a:solidFill>
+                  </a:rPr>
+                  <a:t>Replenish Notification &amp; dashboard </a:t>
+                </a:r>
+              </a:p>
+            </p:txBody>
+          </p:sp>
+        </p:grpSp>
+        <p:grpSp>
+          <p:nvGrpSpPr>
+            <p:cNvPr id="55" name="Group 54">
+              <a:extLst>
+                <a:ext uri="{FF2B5EF4-FFF2-40B4-BE49-F238E27FC236}">
+                  <a16:creationId xmlns:a16="http://schemas.microsoft.com/office/drawing/2014/main" id="{B860486C-11EF-4BCC-A358-80B3D4516A69}"/>
+                </a:ext>
+              </a:extLst>
+            </p:cNvPr>
+            <p:cNvGrpSpPr/>
+            <p:nvPr/>
+          </p:nvGrpSpPr>
+          <p:grpSpPr>
+            <a:xfrm>
+              <a:off x="2133599" y="694041"/>
+              <a:ext cx="2171432" cy="1426555"/>
+              <a:chOff x="2649414" y="2487672"/>
+              <a:chExt cx="2171432" cy="1426555"/>
+            </a:xfrm>
+          </p:grpSpPr>
+          <p:sp>
+            <p:nvSpPr>
+              <p:cNvPr id="63" name="Rectangle 62">
+                <a:extLst>
+                  <a:ext uri="{FF2B5EF4-FFF2-40B4-BE49-F238E27FC236}">
+                    <a16:creationId xmlns:a16="http://schemas.microsoft.com/office/drawing/2014/main" id="{B51BEC60-51C0-4910-851F-83111A88F283}"/>
+                  </a:ext>
+                </a:extLst>
+              </p:cNvPr>
+              <p:cNvSpPr/>
+              <p:nvPr/>
+            </p:nvSpPr>
+            <p:spPr>
+              <a:xfrm>
+                <a:off x="3022588" y="2598397"/>
+                <a:ext cx="1798258" cy="1274883"/>
+              </a:xfrm>
+              <a:prstGeom prst="rect">
+                <a:avLst/>
+              </a:prstGeom>
+              <a:solidFill>
+                <a:schemeClr val="accent4">
+                  <a:lumMod val="40000"/>
+                  <a:lumOff val="60000"/>
+                </a:schemeClr>
+              </a:solidFill>
+            </p:spPr>
+            <p:style>
+              <a:lnRef idx="2">
+                <a:schemeClr val="accent1">
+                  <a:shade val="50000"/>
+                </a:schemeClr>
+              </a:lnRef>
+              <a:fillRef idx="1">
+                <a:schemeClr val="accent1"/>
+              </a:fillRef>
+              <a:effectRef idx="0">
+                <a:schemeClr val="accent1"/>
+              </a:effectRef>
+              <a:fontRef idx="minor">
+                <a:schemeClr val="lt1"/>
+              </a:fontRef>
+            </p:style>
+            <p:txBody>
+              <a:bodyPr rtlCol="0" anchor="ctr"/>
+              <a:lstStyle/>
+              <a:p>
+                <a:pPr algn="ctr"/>
+                <a:endParaRPr lang="en-US" b="1" dirty="0">
+                  <a:solidFill>
+                    <a:schemeClr val="tx1"/>
+                  </a:solidFill>
+                  <a:cs typeface="Calibri"/>
+                </a:endParaRPr>
+              </a:p>
+            </p:txBody>
+          </p:sp>
+          <p:pic>
+            <p:nvPicPr>
+              <p:cNvPr id="64" name="Picture 23" descr="A picture containing drawing&#10;&#10;Description generated with very high confidence">
+                <a:extLst>
+                  <a:ext uri="{FF2B5EF4-FFF2-40B4-BE49-F238E27FC236}">
+                    <a16:creationId xmlns:a16="http://schemas.microsoft.com/office/drawing/2014/main" id="{C960F7C2-EE06-4451-9823-4F8C79CAABFA}"/>
+                  </a:ext>
+                </a:extLst>
+              </p:cNvPr>
+              <p:cNvPicPr>
+                <a:picLocks noChangeAspect="1"/>
+              </p:cNvPicPr>
+              <p:nvPr/>
+            </p:nvPicPr>
+            <p:blipFill>
+              <a:blip r:embed="rId4"/>
+              <a:stretch>
+                <a:fillRect/>
+              </a:stretch>
+            </p:blipFill>
+            <p:spPr>
+              <a:xfrm>
+                <a:off x="4114801" y="2596192"/>
+                <a:ext cx="609602" cy="680878"/>
+              </a:xfrm>
+              <a:prstGeom prst="rect">
+                <a:avLst/>
+              </a:prstGeom>
+            </p:spPr>
+          </p:pic>
+          <p:pic>
+            <p:nvPicPr>
+              <p:cNvPr id="65" name="Picture 24" descr="A picture containing light, drawing&#10;&#10;Description generated with very high confidence">
+                <a:extLst>
+                  <a:ext uri="{FF2B5EF4-FFF2-40B4-BE49-F238E27FC236}">
+                    <a16:creationId xmlns:a16="http://schemas.microsoft.com/office/drawing/2014/main" id="{7CC3D299-EF1E-4630-A553-B1E8D550F149}"/>
+                  </a:ext>
+                </a:extLst>
+              </p:cNvPr>
+              <p:cNvPicPr>
+                <a:picLocks noChangeAspect="1"/>
+              </p:cNvPicPr>
+              <p:nvPr/>
+            </p:nvPicPr>
+            <p:blipFill>
+              <a:blip r:embed="rId5"/>
+              <a:stretch>
+                <a:fillRect/>
+              </a:stretch>
+            </p:blipFill>
+            <p:spPr>
+              <a:xfrm>
+                <a:off x="3247293" y="3283744"/>
+                <a:ext cx="1266095" cy="630483"/>
+              </a:xfrm>
+              <a:prstGeom prst="rect">
+                <a:avLst/>
+              </a:prstGeom>
+            </p:spPr>
+          </p:pic>
+          <p:pic>
+            <p:nvPicPr>
+              <p:cNvPr id="67" name="Picture 26" descr="A close up of a sign&#10;&#10;Description generated with high confidence">
+                <a:extLst>
+                  <a:ext uri="{FF2B5EF4-FFF2-40B4-BE49-F238E27FC236}">
+                    <a16:creationId xmlns:a16="http://schemas.microsoft.com/office/drawing/2014/main" id="{8D605187-687F-429D-AB9C-EC1D541C689A}"/>
+                  </a:ext>
+                </a:extLst>
+              </p:cNvPr>
+              <p:cNvPicPr>
+                <a:picLocks noChangeAspect="1"/>
+              </p:cNvPicPr>
+              <p:nvPr/>
+            </p:nvPicPr>
+            <p:blipFill>
+              <a:blip r:embed="rId6"/>
+              <a:stretch>
+                <a:fillRect/>
+              </a:stretch>
+            </p:blipFill>
+            <p:spPr>
+              <a:xfrm>
+                <a:off x="2649414" y="2487672"/>
+                <a:ext cx="1547448" cy="909638"/>
+              </a:xfrm>
+              <a:prstGeom prst="rect">
+                <a:avLst/>
+              </a:prstGeom>
+            </p:spPr>
+          </p:pic>
+        </p:grpSp>
+        <p:sp>
+          <p:nvSpPr>
+            <p:cNvPr id="56" name="Rectangle 55">
+              <a:extLst>
+                <a:ext uri="{FF2B5EF4-FFF2-40B4-BE49-F238E27FC236}">
+                  <a16:creationId xmlns:a16="http://schemas.microsoft.com/office/drawing/2014/main" id="{7B0A375F-C770-4742-AEB2-AD5343505FC3}"/>
+                </a:ext>
+              </a:extLst>
+            </p:cNvPr>
+            <p:cNvSpPr/>
+            <p:nvPr/>
+          </p:nvSpPr>
+          <p:spPr>
+            <a:xfrm>
+              <a:off x="-114457" y="1013115"/>
+              <a:ext cx="1158156" cy="217840"/>
+            </a:xfrm>
+            <a:prstGeom prst="rect">
+              <a:avLst/>
+            </a:prstGeom>
+            <a:noFill/>
+            <a:ln>
+              <a:noFill/>
+            </a:ln>
+          </p:spPr>
+          <p:style>
+            <a:lnRef idx="2">
+              <a:schemeClr val="accent1">
+                <a:shade val="50000"/>
+              </a:schemeClr>
+            </a:lnRef>
+            <a:fillRef idx="1">
+              <a:schemeClr val="accent1"/>
+            </a:fillRef>
+            <a:effectRef idx="0">
+              <a:schemeClr val="accent1"/>
+            </a:effectRef>
+            <a:fontRef idx="minor">
+              <a:schemeClr val="lt1"/>
+            </a:fontRef>
+          </p:style>
+          <p:txBody>
+            <a:bodyPr rtlCol="0" anchor="ctr"/>
+            <a:lstStyle/>
+            <a:p>
+              <a:pPr algn="ctr"/>
+              <a:r>
+                <a:rPr lang="en-IN" sz="900" b="1" dirty="0">
+                  <a:solidFill>
+                    <a:schemeClr val="tx1"/>
+                  </a:solidFill>
+                </a:rPr>
+                <a:t>shelf</a:t>
+              </a:r>
+              <a:endParaRPr lang="en-IN" sz="900" b="1" dirty="0">
+                <a:solidFill>
+                  <a:schemeClr val="tx1"/>
+                </a:solidFill>
+                <a:cs typeface="Calibri"/>
+              </a:endParaRPr>
+            </a:p>
+          </p:txBody>
+        </p:sp>
+        <p:sp>
+          <p:nvSpPr>
+            <p:cNvPr id="57" name="Rectangle 56">
+              <a:extLst>
+                <a:ext uri="{FF2B5EF4-FFF2-40B4-BE49-F238E27FC236}">
+                  <a16:creationId xmlns:a16="http://schemas.microsoft.com/office/drawing/2014/main" id="{328DDC5A-45AE-4828-81B3-EFF71F0F6126}"/>
+                </a:ext>
+              </a:extLst>
+            </p:cNvPr>
+            <p:cNvSpPr/>
+            <p:nvPr/>
+          </p:nvSpPr>
+          <p:spPr>
+            <a:xfrm>
+              <a:off x="1121033" y="1917240"/>
+              <a:ext cx="1158156" cy="217840"/>
+            </a:xfrm>
+            <a:prstGeom prst="rect">
+              <a:avLst/>
+            </a:prstGeom>
+            <a:noFill/>
+            <a:ln>
+              <a:noFill/>
+            </a:ln>
+          </p:spPr>
+          <p:style>
+            <a:lnRef idx="2">
+              <a:schemeClr val="accent1">
+                <a:shade val="50000"/>
+              </a:schemeClr>
+            </a:lnRef>
+            <a:fillRef idx="1">
+              <a:schemeClr val="accent1"/>
+            </a:fillRef>
+            <a:effectRef idx="0">
+              <a:schemeClr val="accent1"/>
+            </a:effectRef>
+            <a:fontRef idx="minor">
+              <a:schemeClr val="lt1"/>
+            </a:fontRef>
+          </p:style>
+          <p:txBody>
+            <a:bodyPr rtlCol="0" anchor="ctr"/>
+            <a:lstStyle/>
+            <a:p>
+              <a:pPr algn="ctr"/>
+              <a:r>
+                <a:rPr lang="en-IN" sz="900" b="1" dirty="0">
+                  <a:solidFill>
+                    <a:schemeClr val="tx1"/>
+                  </a:solidFill>
+                </a:rPr>
+                <a:t>Monitoring cameras</a:t>
+              </a:r>
+              <a:endParaRPr lang="en-IN" sz="900" b="1" dirty="0">
+                <a:solidFill>
+                  <a:schemeClr val="tx1"/>
+                </a:solidFill>
+                <a:cs typeface="Calibri"/>
+              </a:endParaRPr>
+            </a:p>
+          </p:txBody>
+        </p:sp>
+        <p:sp>
+          <p:nvSpPr>
+            <p:cNvPr id="59" name="TextBox 1">
+              <a:extLst>
+                <a:ext uri="{FF2B5EF4-FFF2-40B4-BE49-F238E27FC236}">
+                  <a16:creationId xmlns:a16="http://schemas.microsoft.com/office/drawing/2014/main" id="{24D7016C-1CF0-49D8-8B8F-A9ED1FD7F720}"/>
+                </a:ext>
+              </a:extLst>
+            </p:cNvPr>
+            <p:cNvSpPr txBox="1"/>
+            <p:nvPr/>
+          </p:nvSpPr>
+          <p:spPr>
+            <a:xfrm>
+              <a:off x="2368061" y="2028091"/>
+              <a:ext cx="2086708" cy="830997"/>
+            </a:xfrm>
+            <a:prstGeom prst="rect">
+              <a:avLst/>
+            </a:prstGeom>
+            <a:noFill/>
+          </p:spPr>
+          <p:txBody>
+            <a:bodyPr rot="0" spcFirstLastPara="0" vert="horz" wrap="square" lIns="91440" tIns="45720" rIns="91440" bIns="45720" numCol="1" spcCol="0" rtlCol="0" fromWordArt="0" anchor="t" anchorCtr="0" forceAA="0" compatLnSpc="1">
+              <a:prstTxWarp prst="textNoShape">
+                <a:avLst/>
+              </a:prstTxWarp>
+              <a:spAutoFit/>
+            </a:bodyPr>
+            <a:lstStyle>
+              <a:defPPr>
+                <a:defRPr lang="en-US"/>
+              </a:defPPr>
+              <a:lvl1pPr marL="0" algn="l" defTabSz="914400" rtl="0" eaLnBrk="1" latinLnBrk="0" hangingPunct="1">
+                <a:defRPr sz="1800" kern="1200">
+                  <a:solidFill>
+                    <a:schemeClr val="tx1"/>
+                  </a:solidFill>
+                  <a:latin typeface="+mn-lt"/>
+                  <a:ea typeface="+mn-ea"/>
+                  <a:cs typeface="+mn-cs"/>
+                </a:defRPr>
+              </a:lvl1pPr>
+              <a:lvl2pPr marL="457200" algn="l" defTabSz="914400" rtl="0" eaLnBrk="1" latinLnBrk="0" hangingPunct="1">
+                <a:defRPr sz="1800" kern="1200">
+                  <a:solidFill>
+                    <a:schemeClr val="tx1"/>
+                  </a:solidFill>
+                  <a:latin typeface="+mn-lt"/>
+                  <a:ea typeface="+mn-ea"/>
+                  <a:cs typeface="+mn-cs"/>
+                </a:defRPr>
+              </a:lvl2pPr>
+              <a:lvl3pPr marL="914400" algn="l" defTabSz="914400" rtl="0" eaLnBrk="1" latinLnBrk="0" hangingPunct="1">
+                <a:defRPr sz="1800" kern="1200">
+                  <a:solidFill>
+                    <a:schemeClr val="tx1"/>
+                  </a:solidFill>
+                  <a:latin typeface="+mn-lt"/>
+                  <a:ea typeface="+mn-ea"/>
+                  <a:cs typeface="+mn-cs"/>
+                </a:defRPr>
+              </a:lvl3pPr>
+              <a:lvl4pPr marL="1371600" algn="l" defTabSz="914400" rtl="0" eaLnBrk="1" latinLnBrk="0" hangingPunct="1">
+                <a:defRPr sz="1800" kern="1200">
+                  <a:solidFill>
+                    <a:schemeClr val="tx1"/>
+                  </a:solidFill>
+                  <a:latin typeface="+mn-lt"/>
+                  <a:ea typeface="+mn-ea"/>
+                  <a:cs typeface="+mn-cs"/>
+                </a:defRPr>
+              </a:lvl4pPr>
+              <a:lvl5pPr marL="1828800" algn="l" defTabSz="914400" rtl="0" eaLnBrk="1" latinLnBrk="0" hangingPunct="1">
+                <a:defRPr sz="1800" kern="1200">
+                  <a:solidFill>
+                    <a:schemeClr val="tx1"/>
+                  </a:solidFill>
+                  <a:latin typeface="+mn-lt"/>
+                  <a:ea typeface="+mn-ea"/>
+                  <a:cs typeface="+mn-cs"/>
+                </a:defRPr>
+              </a:lvl5pPr>
+              <a:lvl6pPr marL="2286000" algn="l" defTabSz="914400" rtl="0" eaLnBrk="1" latinLnBrk="0" hangingPunct="1">
+                <a:defRPr sz="1800" kern="1200">
+                  <a:solidFill>
+                    <a:schemeClr val="tx1"/>
+                  </a:solidFill>
+                  <a:latin typeface="+mn-lt"/>
+                  <a:ea typeface="+mn-ea"/>
+                  <a:cs typeface="+mn-cs"/>
+                </a:defRPr>
+              </a:lvl6pPr>
+              <a:lvl7pPr marL="2743200" algn="l" defTabSz="914400" rtl="0" eaLnBrk="1" latinLnBrk="0" hangingPunct="1">
+                <a:defRPr sz="1800" kern="1200">
+                  <a:solidFill>
+                    <a:schemeClr val="tx1"/>
+                  </a:solidFill>
+                  <a:latin typeface="+mn-lt"/>
+                  <a:ea typeface="+mn-ea"/>
+                  <a:cs typeface="+mn-cs"/>
+                </a:defRPr>
+              </a:lvl7pPr>
+              <a:lvl8pPr marL="3200400" algn="l" defTabSz="914400" rtl="0" eaLnBrk="1" latinLnBrk="0" hangingPunct="1">
+                <a:defRPr sz="1800" kern="1200">
+                  <a:solidFill>
+                    <a:schemeClr val="tx1"/>
+                  </a:solidFill>
+                  <a:latin typeface="+mn-lt"/>
+                  <a:ea typeface="+mn-ea"/>
+                  <a:cs typeface="+mn-cs"/>
+                </a:defRPr>
+              </a:lvl8pPr>
+              <a:lvl9pPr marL="3657600" algn="l" defTabSz="914400" rtl="0" eaLnBrk="1" latinLnBrk="0" hangingPunct="1">
+                <a:defRPr sz="1800" kern="1200">
+                  <a:solidFill>
+                    <a:schemeClr val="tx1"/>
+                  </a:solidFill>
+                  <a:latin typeface="+mn-lt"/>
+                  <a:ea typeface="+mn-ea"/>
+                  <a:cs typeface="+mn-cs"/>
+                </a:defRPr>
+              </a:lvl9pPr>
+            </a:lstStyle>
+            <a:p>
+              <a:pPr algn="ctr"/>
+              <a:r>
+                <a:rPr lang="en-US" sz="1200" b="1" dirty="0">
+                  <a:cs typeface="Calibri"/>
+                </a:rPr>
+                <a:t>Deep Learning And Computer Vision</a:t>
+              </a:r>
+              <a:endParaRPr lang="en-US" sz="1200" dirty="0">
+                <a:ea typeface="+mn-lt"/>
+                <a:cs typeface="+mn-lt"/>
+              </a:endParaRPr>
+            </a:p>
+            <a:p>
+              <a:endParaRPr lang="en-US" sz="1200" dirty="0">
+                <a:ea typeface="+mn-lt"/>
+                <a:cs typeface="+mn-lt"/>
+              </a:endParaRPr>
+            </a:p>
+            <a:p>
+              <a:pPr algn="l"/>
+              <a:endParaRPr lang="en-US" sz="1200" dirty="0">
+                <a:cs typeface="Calibri"/>
+              </a:endParaRPr>
+            </a:p>
+          </p:txBody>
+        </p:sp>
+        <p:sp>
+          <p:nvSpPr>
+            <p:cNvPr id="60" name="TextBox 59">
+              <a:extLst>
+                <a:ext uri="{FF2B5EF4-FFF2-40B4-BE49-F238E27FC236}">
+                  <a16:creationId xmlns:a16="http://schemas.microsoft.com/office/drawing/2014/main" id="{42B50F10-E40F-4F2D-BAE1-EFF7C7D08869}"/>
+                </a:ext>
+              </a:extLst>
+            </p:cNvPr>
+            <p:cNvSpPr txBox="1"/>
+            <p:nvPr/>
+          </p:nvSpPr>
+          <p:spPr>
+            <a:xfrm>
+              <a:off x="3181350" y="3028950"/>
+              <a:ext cx="1348154" cy="461665"/>
+            </a:xfrm>
+            <a:prstGeom prst="rect">
+              <a:avLst/>
+            </a:prstGeom>
+            <a:noFill/>
+          </p:spPr>
+          <p:txBody>
+            <a:bodyPr rot="0" spcFirstLastPara="0" vertOverflow="overflow" horzOverflow="overflow" vert="horz" wrap="square" lIns="91440" tIns="45720" rIns="91440" bIns="45720" numCol="1" spcCol="0" rtlCol="0" fromWordArt="0" anchor="t" anchorCtr="0" forceAA="0" compatLnSpc="1">
+              <a:prstTxWarp prst="textNoShape">
+                <a:avLst/>
+              </a:prstTxWarp>
+              <a:spAutoFit/>
+            </a:bodyPr>
+            <a:lstStyle/>
+            <a:p>
+              <a:r>
+                <a:rPr lang="en-US" sz="1200" b="1" dirty="0">
+                  <a:cs typeface="Calibri"/>
+                </a:rPr>
+                <a:t>Triggered before </a:t>
+              </a:r>
+              <a:r>
+                <a:rPr lang="en-US" sz="1200" b="1" dirty="0">
+                  <a:ea typeface="+mn-lt"/>
+                  <a:cs typeface="+mn-lt"/>
+                </a:rPr>
+                <a:t>OOS </a:t>
+              </a:r>
+              <a:endParaRPr lang="en-US" sz="1200" b="1" dirty="0">
+                <a:cs typeface="Calibri"/>
+              </a:endParaRPr>
+            </a:p>
+          </p:txBody>
+        </p:sp>
+        <p:sp>
+          <p:nvSpPr>
+            <p:cNvPr id="61" name="Arrow: Bent-Up 60">
+              <a:extLst>
+                <a:ext uri="{FF2B5EF4-FFF2-40B4-BE49-F238E27FC236}">
+                  <a16:creationId xmlns:a16="http://schemas.microsoft.com/office/drawing/2014/main" id="{5D0EC1A9-6291-4061-95FB-11071D8C7C61}"/>
+                </a:ext>
+              </a:extLst>
+            </p:cNvPr>
+            <p:cNvSpPr/>
+            <p:nvPr/>
+          </p:nvSpPr>
+          <p:spPr>
+            <a:xfrm rot="16260000" flipH="1">
+              <a:off x="3253680" y="2308816"/>
+              <a:ext cx="609600" cy="1008184"/>
+            </a:xfrm>
+            <a:prstGeom prst="bentUpArrow">
+              <a:avLst/>
+            </a:prstGeom>
+          </p:spPr>
+          <p:style>
+            <a:lnRef idx="2">
+              <a:schemeClr val="accent1">
+                <a:shade val="50000"/>
+              </a:schemeClr>
+            </a:lnRef>
+            <a:fillRef idx="1">
+              <a:schemeClr val="accent1"/>
+            </a:fillRef>
+            <a:effectRef idx="0">
+              <a:schemeClr val="accent1"/>
+            </a:effectRef>
+            <a:fontRef idx="minor">
+              <a:schemeClr val="lt1"/>
+            </a:fontRef>
+          </p:style>
+          <p:txBody>
+            <a:bodyPr rtlCol="0" anchor="ctr"/>
+            <a:lstStyle/>
+            <a:p>
+              <a:pPr algn="ctr"/>
+              <a:endParaRPr lang="en-US"/>
+            </a:p>
+          </p:txBody>
+        </p:sp>
+      </p:grpSp>
     </p:spTree>
     <p:extLst>
       <p:ext uri="{BB962C8B-B14F-4D97-AF65-F5344CB8AC3E}">
@@ -5571,8 +5821,8 @@
         </p:nvSpPr>
         <p:spPr>
           <a:xfrm>
-            <a:off x="11434" y="287992"/>
-            <a:ext cx="12156806" cy="6557489"/>
+            <a:off x="11434" y="389489"/>
+            <a:ext cx="12156806" cy="6455992"/>
           </a:xfrm>
           <a:prstGeom prst="rect">
             <a:avLst/>
@@ -5668,8 +5918,8 @@
         </p:nvSpPr>
         <p:spPr>
           <a:xfrm>
-            <a:off x="82949" y="816030"/>
-            <a:ext cx="11980419" cy="3539430"/>
+            <a:off x="409058" y="911738"/>
+            <a:ext cx="10731222" cy="5262979"/>
           </a:xfrm>
           <a:prstGeom prst="rect">
             <a:avLst/>
@@ -5694,6 +5944,90 @@
                 <a:cs typeface="Calibri"/>
               </a:rPr>
               <a:t>High availability of products increases the customer satisfaction</a:t>
+            </a:r>
+          </a:p>
+          <a:p>
+            <a:pPr marL="285750" indent="-285750">
+              <a:buFont typeface="Arial"/>
+              <a:buChar char="•"/>
+            </a:pPr>
+            <a:endParaRPr lang="en-US" sz="1600" dirty="0">
+              <a:cs typeface="Calibri"/>
+            </a:endParaRPr>
+          </a:p>
+          <a:p>
+            <a:pPr marL="285750" indent="-285750">
+              <a:buFont typeface="Arial"/>
+              <a:buChar char="•"/>
+            </a:pPr>
+            <a:r>
+              <a:rPr lang="en-US" sz="1600" dirty="0">
+                <a:cs typeface="Calibri"/>
+              </a:rPr>
+              <a:t>Improves the efficiency of retail store employees and helps to boost sales</a:t>
+            </a:r>
+          </a:p>
+          <a:p>
+            <a:pPr marL="285750" indent="-285750">
+              <a:buFont typeface="Arial"/>
+              <a:buChar char="•"/>
+            </a:pPr>
+            <a:endParaRPr lang="en-US" sz="1600" dirty="0">
+              <a:cs typeface="Calibri"/>
+            </a:endParaRPr>
+          </a:p>
+          <a:p>
+            <a:pPr marL="285750" indent="-285750">
+              <a:buFont typeface="Arial"/>
+              <a:buChar char="•"/>
+            </a:pPr>
+            <a:r>
+              <a:rPr lang="en-US" sz="1600" dirty="0">
+                <a:cs typeface="Calibri"/>
+              </a:rPr>
+              <a:t>With variable run rate and auto triggering the solution manages the staff members efficiently and eliminates the need to check shelves.</a:t>
+            </a:r>
+          </a:p>
+          <a:p>
+            <a:pPr marL="285750" indent="-285750">
+              <a:buFont typeface="Arial"/>
+              <a:buChar char="•"/>
+            </a:pPr>
+            <a:endParaRPr lang="en-US" sz="1600" dirty="0">
+              <a:cs typeface="Calibri"/>
+            </a:endParaRPr>
+          </a:p>
+          <a:p>
+            <a:pPr marL="285750" indent="-285750">
+              <a:buFont typeface="Arial"/>
+              <a:buChar char="•"/>
+            </a:pPr>
+            <a:r>
+              <a:rPr lang="en-US" sz="1600" dirty="0">
+                <a:cs typeface="Calibri"/>
+              </a:rPr>
+              <a:t>Prevents lost sales opportunities.</a:t>
+            </a:r>
+          </a:p>
+          <a:p>
+            <a:pPr marL="285750" indent="-285750">
+              <a:buFont typeface="Arial"/>
+              <a:buChar char="•"/>
+            </a:pPr>
+            <a:endParaRPr lang="en-US" sz="1600" dirty="0">
+              <a:cs typeface="Calibri"/>
+            </a:endParaRPr>
+          </a:p>
+          <a:p>
+            <a:pPr marL="285750" indent="-285750">
+              <a:buFont typeface="Arial"/>
+              <a:buChar char="•"/>
+            </a:pPr>
+            <a:r>
+              <a:rPr lang="en-US" sz="1600" dirty="0">
+                <a:cs typeface="Calibri"/>
+              </a:rPr>
+              <a:t>Halts customer complaints due to out-of-stock items by keeping the shelves filled.</a:t>
             </a:r>
           </a:p>
           <a:p>
@@ -5753,7 +6087,7 @@
                 <a:latin typeface="Calibri"/>
                 <a:cs typeface="Calibri"/>
               </a:rPr>
-              <a:t>With variable run rate and auto triggering the solution manages the staff members efficiently reducing manual intervention in tracking of products in the shelf thus requiring them only when the products need to be replenished.</a:t>
+              <a:t>Predictive model will help us in better stock and inventory management.</a:t>
             </a:r>
           </a:p>
           <a:p>
@@ -5771,78 +6105,10 @@
               <a:buFont typeface="Arial"/>
               <a:buChar char="•"/>
             </a:pPr>
-            <a:r>
-              <a:rPr lang="en-US" sz="1600" dirty="0">
-                <a:latin typeface="Calibri"/>
-                <a:cs typeface="Calibri"/>
-              </a:rPr>
-              <a:t>Predictive model will help us in better stock and inventory management.</a:t>
-            </a:r>
-          </a:p>
-          <a:p>
-            <a:pPr marL="285750" indent="-285750">
-              <a:buFont typeface="Arial"/>
-              <a:buChar char="•"/>
-            </a:pPr>
             <a:endParaRPr lang="en-US" sz="1600" dirty="0">
               <a:latin typeface="Calibri"/>
               <a:cs typeface="Calibri"/>
             </a:endParaRPr>
-          </a:p>
-          <a:p>
-            <a:pPr marL="285750" indent="-285750">
-              <a:buFont typeface="Arial"/>
-              <a:buChar char="•"/>
-            </a:pPr>
-            <a:endParaRPr lang="en-US" sz="1600" dirty="0">
-              <a:latin typeface="Calibri"/>
-              <a:cs typeface="Calibri"/>
-            </a:endParaRPr>
-          </a:p>
-        </p:txBody>
-      </p:sp>
-      <p:sp>
-        <p:nvSpPr>
-          <p:cNvPr id="11" name="TextBox 10">
-            <a:extLst>
-              <a:ext uri="{FF2B5EF4-FFF2-40B4-BE49-F238E27FC236}">
-                <a16:creationId xmlns:a16="http://schemas.microsoft.com/office/drawing/2014/main" id="{C819B17A-C092-4BD8-A85B-E1A8F1954813}"/>
-              </a:ext>
-            </a:extLst>
-          </p:cNvPr>
-          <p:cNvSpPr txBox="1"/>
-          <p:nvPr/>
-        </p:nvSpPr>
-        <p:spPr>
-          <a:xfrm>
-            <a:off x="23760" y="300511"/>
-            <a:ext cx="1495514" cy="307777"/>
-          </a:xfrm>
-          <a:prstGeom prst="rect">
-            <a:avLst/>
-          </a:prstGeom>
-          <a:solidFill>
-            <a:schemeClr val="tx1"/>
-          </a:solidFill>
-        </p:spPr>
-        <p:txBody>
-          <a:bodyPr rot="0" spcFirstLastPara="0" vertOverflow="overflow" horzOverflow="overflow" vert="horz" wrap="square" lIns="91440" tIns="45720" rIns="91440" bIns="45720" numCol="1" spcCol="0" rtlCol="0" fromWordArt="0" anchor="t" anchorCtr="0" forceAA="0" compatLnSpc="1">
-            <a:prstTxWarp prst="textNoShape">
-              <a:avLst/>
-            </a:prstTxWarp>
-            <a:spAutoFit/>
-          </a:bodyPr>
-          <a:lstStyle/>
-          <a:p>
-            <a:r>
-              <a:rPr lang="en-US" sz="1400" b="1" dirty="0">
-                <a:solidFill>
-                  <a:schemeClr val="bg1"/>
-                </a:solidFill>
-                <a:cs typeface="Calibri"/>
-              </a:rPr>
-              <a:t>Benefits</a:t>
-            </a:r>
           </a:p>
         </p:txBody>
       </p:sp>
@@ -5882,6 +6148,51 @@
           </a:prstGeom>
         </p:spPr>
       </p:pic>
+      <p:sp>
+        <p:nvSpPr>
+          <p:cNvPr id="7" name="TextBox 6">
+            <a:extLst>
+              <a:ext uri="{FF2B5EF4-FFF2-40B4-BE49-F238E27FC236}">
+                <a16:creationId xmlns:a16="http://schemas.microsoft.com/office/drawing/2014/main" id="{1F8B2317-7FBA-417C-A825-3204A81391B5}"/>
+              </a:ext>
+            </a:extLst>
+          </p:cNvPr>
+          <p:cNvSpPr txBox="1"/>
+          <p:nvPr/>
+        </p:nvSpPr>
+        <p:spPr>
+          <a:xfrm>
+            <a:off x="0" y="389489"/>
+            <a:ext cx="1495514" cy="307777"/>
+          </a:xfrm>
+          <a:prstGeom prst="rect">
+            <a:avLst/>
+          </a:prstGeom>
+          <a:solidFill>
+            <a:schemeClr val="tx1"/>
+          </a:solidFill>
+        </p:spPr>
+        <p:txBody>
+          <a:bodyPr rot="0" spcFirstLastPara="0" vertOverflow="overflow" horzOverflow="overflow" vert="horz" wrap="square" lIns="91440" tIns="45720" rIns="91440" bIns="45720" numCol="1" spcCol="0" rtlCol="0" fromWordArt="0" anchor="t" anchorCtr="0" forceAA="0" compatLnSpc="1">
+            <a:prstTxWarp prst="textNoShape">
+              <a:avLst/>
+            </a:prstTxWarp>
+            <a:spAutoFit/>
+          </a:bodyPr>
+          <a:lstStyle/>
+          <a:p>
+            <a:r>
+              <a:rPr lang="en-US" sz="1400" b="1" dirty="0">
+                <a:solidFill>
+                  <a:schemeClr val="bg1"/>
+                </a:solidFill>
+                <a:cs typeface="Calibri"/>
+              </a:rPr>
+              <a:t>Benefits</a:t>
+            </a:r>
+          </a:p>
+        </p:txBody>
+      </p:sp>
     </p:spTree>
     <p:extLst>
       <p:ext uri="{BB962C8B-B14F-4D97-AF65-F5344CB8AC3E}">

--- a/P_and_G_modified.pptx
+++ b/P_and_G_modified.pptx
@@ -3408,7 +3408,7 @@
         </p:nvSpPr>
         <p:spPr>
           <a:xfrm>
-            <a:off x="-1" y="403505"/>
+            <a:off x="0" y="403505"/>
             <a:ext cx="6951776" cy="6416941"/>
           </a:xfrm>
           <a:prstGeom prst="rect">
@@ -5016,10 +5016,10 @@
         </p:nvGrpSpPr>
         <p:grpSpPr>
           <a:xfrm>
-            <a:off x="-62731" y="1578108"/>
-            <a:ext cx="5020737" cy="5109349"/>
+            <a:off x="-47288" y="2033898"/>
+            <a:ext cx="5458096" cy="4684871"/>
             <a:chOff x="-114457" y="694041"/>
-            <a:chExt cx="4643961" cy="3054468"/>
+            <a:chExt cx="4550786" cy="3052233"/>
           </a:xfrm>
         </p:grpSpPr>
         <p:sp>
@@ -5076,10 +5076,10 @@
           </p:nvGrpSpPr>
           <p:grpSpPr>
             <a:xfrm>
-              <a:off x="7042" y="723734"/>
-              <a:ext cx="4356887" cy="3024775"/>
-              <a:chOff x="8271811" y="4006195"/>
-              <a:chExt cx="3829349" cy="2755145"/>
+              <a:off x="-20294" y="722657"/>
+              <a:ext cx="4384223" cy="3023617"/>
+              <a:chOff x="8247785" y="4005214"/>
+              <a:chExt cx="3853375" cy="2754090"/>
             </a:xfrm>
           </p:grpSpPr>
           <p:pic>
@@ -5110,7 +5110,7 @@
             </p:blipFill>
             <p:spPr>
               <a:xfrm>
-                <a:off x="8271811" y="4008231"/>
+                <a:off x="8247785" y="4005214"/>
                 <a:ext cx="2762636" cy="2753109"/>
               </a:xfrm>
               <a:prstGeom prst="rect">
@@ -5229,7 +5229,7 @@
                       <a:schemeClr val="tx1"/>
                     </a:solidFill>
                   </a:rPr>
-                  <a:t>Replenish Notification &amp; dashboard </a:t>
+                  <a:t>Replenish Notification &amp; Dashboard </a:t>
                 </a:r>
               </a:p>
             </p:txBody>
@@ -5543,8 +5543,8 @@
           </p:nvSpPr>
           <p:spPr>
             <a:xfrm>
-              <a:off x="2368061" y="2028091"/>
-              <a:ext cx="2086708" cy="830997"/>
+              <a:off x="2349621" y="2071988"/>
+              <a:ext cx="2086708" cy="391012"/>
             </a:xfrm>
             <a:prstGeom prst="rect">
               <a:avLst/>
@@ -5656,12 +5656,12 @@
             <a:p>
               <a:pPr algn="ctr"/>
               <a:r>
-                <a:rPr lang="en-US" sz="1200" b="1" dirty="0">
+                <a:rPr lang="en-US" sz="900" b="1" dirty="0">
                   <a:cs typeface="Calibri"/>
                 </a:rPr>
                 <a:t>Deep Learning And Computer Vision</a:t>
               </a:r>
-              <a:endParaRPr lang="en-US" sz="1200" dirty="0">
+              <a:endParaRPr lang="en-US" sz="900" dirty="0">
                 <a:ea typeface="+mn-lt"/>
                 <a:cs typeface="+mn-lt"/>
               </a:endParaRPr>
@@ -5694,8 +5694,8 @@
           </p:nvSpPr>
           <p:spPr>
             <a:xfrm>
-              <a:off x="3181350" y="3028950"/>
-              <a:ext cx="1348154" cy="461665"/>
+              <a:off x="3058290" y="3089856"/>
+              <a:ext cx="1348154" cy="160415"/>
             </a:xfrm>
             <a:prstGeom prst="rect">
               <a:avLst/>
@@ -5712,19 +5712,19 @@
             <a:lstStyle/>
             <a:p>
               <a:r>
-                <a:rPr lang="en-US" sz="1200" b="1" dirty="0">
+                <a:rPr lang="en-US" sz="1000" b="1" dirty="0">
                   <a:cs typeface="Calibri"/>
                 </a:rPr>
                 <a:t>Triggered before </a:t>
               </a:r>
               <a:r>
-                <a:rPr lang="en-US" sz="1200" b="1" dirty="0">
+                <a:rPr lang="en-US" sz="1000" b="1" dirty="0">
                   <a:ea typeface="+mn-lt"/>
                   <a:cs typeface="+mn-lt"/>
                 </a:rPr>
                 <a:t>OOS </a:t>
               </a:r>
-              <a:endParaRPr lang="en-US" sz="1200" b="1" dirty="0">
+              <a:endParaRPr lang="en-US" sz="1000" b="1" dirty="0">
                 <a:cs typeface="Calibri"/>
               </a:endParaRPr>
             </a:p>
@@ -5777,6 +5777,71 @@
           </p:txBody>
         </p:sp>
       </p:grpSp>
+      <p:sp>
+        <p:nvSpPr>
+          <p:cNvPr id="72" name="TextBox 71">
+            <a:extLst>
+              <a:ext uri="{FF2B5EF4-FFF2-40B4-BE49-F238E27FC236}">
+                <a16:creationId xmlns:a16="http://schemas.microsoft.com/office/drawing/2014/main" id="{DAB9D630-A75F-4C29-8168-E9015E160831}"/>
+              </a:ext>
+            </a:extLst>
+          </p:cNvPr>
+          <p:cNvSpPr txBox="1"/>
+          <p:nvPr/>
+        </p:nvSpPr>
+        <p:spPr>
+          <a:xfrm>
+            <a:off x="409058" y="911738"/>
+            <a:ext cx="6336256" cy="1077218"/>
+          </a:xfrm>
+          <a:prstGeom prst="rect">
+            <a:avLst/>
+          </a:prstGeom>
+          <a:noFill/>
+        </p:spPr>
+        <p:txBody>
+          <a:bodyPr rot="0" spcFirstLastPara="0" vertOverflow="overflow" horzOverflow="overflow" vert="horz" wrap="square" lIns="91440" tIns="45720" rIns="91440" bIns="45720" numCol="1" spcCol="0" rtlCol="0" fromWordArt="0" anchor="t" anchorCtr="0" forceAA="0" compatLnSpc="1">
+            <a:prstTxWarp prst="textNoShape">
+              <a:avLst/>
+            </a:prstTxWarp>
+            <a:spAutoFit/>
+          </a:bodyPr>
+          <a:lstStyle/>
+          <a:p>
+            <a:pPr marL="285750" indent="-285750">
+              <a:buFont typeface="Arial"/>
+              <a:buChar char="•"/>
+            </a:pPr>
+            <a:r>
+              <a:rPr lang="en-US" sz="1600" dirty="0">
+                <a:cs typeface="Calibri"/>
+              </a:rPr>
+              <a:t>High availability of products increases the customer satisfaction</a:t>
+            </a:r>
+          </a:p>
+          <a:p>
+            <a:pPr marL="285750" indent="-285750">
+              <a:buFont typeface="Arial"/>
+              <a:buChar char="•"/>
+            </a:pPr>
+            <a:endParaRPr lang="en-US" sz="1600" dirty="0">
+              <a:cs typeface="Calibri"/>
+            </a:endParaRPr>
+          </a:p>
+          <a:p>
+            <a:pPr marL="285750" indent="-285750">
+              <a:buFont typeface="Arial"/>
+              <a:buChar char="•"/>
+            </a:pPr>
+            <a:r>
+              <a:rPr lang="en-US" sz="1600" dirty="0">
+                <a:cs typeface="Calibri"/>
+              </a:rPr>
+              <a:t>Improves the efficiency of retail store employees and helps to boost sales</a:t>
+            </a:r>
+          </a:p>
+        </p:txBody>
+      </p:sp>
     </p:spTree>
     <p:extLst>
       <p:ext uri="{BB962C8B-B14F-4D97-AF65-F5344CB8AC3E}">
